--- a/lectures/SimpleLinearRegression.pptx
+++ b/lectures/SimpleLinearRegression.pptx
@@ -5,7 +5,7 @@
     <p:sldMasterId id="2147483657" r:id="rId1"/>
   </p:sldMasterIdLst>
   <p:notesMasterIdLst>
-    <p:notesMasterId r:id="rId15"/>
+    <p:notesMasterId r:id="rId10"/>
   </p:notesMasterIdLst>
   <p:sldIdLst>
     <p:sldId id="259" r:id="rId2"/>
@@ -16,35 +16,30 @@
     <p:sldId id="283" r:id="rId7"/>
     <p:sldId id="288" r:id="rId8"/>
     <p:sldId id="284" r:id="rId9"/>
-    <p:sldId id="285" r:id="rId10"/>
-    <p:sldId id="286" r:id="rId11"/>
-    <p:sldId id="287" r:id="rId12"/>
-    <p:sldId id="278" r:id="rId13"/>
-    <p:sldId id="271" r:id="rId14"/>
   </p:sldIdLst>
   <p:sldSz cx="9144000" cy="5143500" type="screen16x9"/>
   <p:notesSz cx="6858000" cy="9144000"/>
   <p:embeddedFontLst>
     <p:embeddedFont>
-      <p:font typeface="Roboto Condensed" panose="020B0604020202020204" charset="0"/>
-      <p:regular r:id="rId16"/>
-      <p:bold r:id="rId17"/>
-      <p:italic r:id="rId18"/>
-      <p:boldItalic r:id="rId19"/>
+      <p:font typeface="Arvo" panose="020B0604020202020204" charset="0"/>
+      <p:regular r:id="rId11"/>
+      <p:bold r:id="rId12"/>
+      <p:italic r:id="rId13"/>
+      <p:boldItalic r:id="rId14"/>
     </p:embeddedFont>
     <p:embeddedFont>
-      <p:font typeface="Roboto Condensed Light" panose="020B0604020202020204" charset="0"/>
-      <p:regular r:id="rId20"/>
-      <p:bold r:id="rId21"/>
-      <p:italic r:id="rId22"/>
-      <p:boldItalic r:id="rId23"/>
+      <p:font typeface="Roboto Condensed" panose="02000000000000000000" pitchFamily="2" charset="0"/>
+      <p:regular r:id="rId15"/>
+      <p:bold r:id="rId16"/>
+      <p:italic r:id="rId17"/>
+      <p:boldItalic r:id="rId18"/>
     </p:embeddedFont>
     <p:embeddedFont>
-      <p:font typeface="Arvo" panose="020B0604020202020204" charset="0"/>
-      <p:regular r:id="rId24"/>
-      <p:bold r:id="rId25"/>
-      <p:italic r:id="rId26"/>
-      <p:boldItalic r:id="rId27"/>
+      <p:font typeface="Roboto Condensed Light" panose="02000000000000000000" pitchFamily="2" charset="0"/>
+      <p:regular r:id="rId19"/>
+      <p:bold r:id="rId20"/>
+      <p:italic r:id="rId21"/>
+      <p:boldItalic r:id="rId22"/>
     </p:embeddedFont>
   </p:embeddedFontLst>
   <p:defaultTextStyle>
@@ -633,430 +628,6 @@
 </p:notes>
 </file>
 
-<file path=ppt/notesSlides/notesSlide10.xml><?xml version="1.0" encoding="utf-8"?>
-<p:notes xmlns:a="http://schemas.openxmlformats.org/drawingml/2006/main" xmlns:r="http://schemas.openxmlformats.org/officeDocument/2006/relationships" xmlns:p="http://schemas.openxmlformats.org/presentationml/2006/main" showMasterSp="0" showMasterPhAnim="0">
-  <p:cSld>
-    <p:spTree>
-      <p:nvGrpSpPr>
-        <p:cNvPr id="1" name="Shape 232"/>
-        <p:cNvGrpSpPr/>
-        <p:nvPr/>
-      </p:nvGrpSpPr>
-      <p:grpSpPr>
-        <a:xfrm>
-          <a:off x="0" y="0"/>
-          <a:ext cx="0" cy="0"/>
-          <a:chOff x="0" y="0"/>
-          <a:chExt cx="0" cy="0"/>
-        </a:xfrm>
-      </p:grpSpPr>
-      <p:sp>
-        <p:nvSpPr>
-          <p:cNvPr id="233" name="Shape 233"/>
-          <p:cNvSpPr>
-            <a:spLocks noGrp="1" noRot="1" noChangeAspect="1"/>
-          </p:cNvSpPr>
-          <p:nvPr>
-            <p:ph type="sldImg" idx="2"/>
-          </p:nvPr>
-        </p:nvSpPr>
-        <p:spPr>
-          <a:xfrm>
-            <a:off x="381000" y="685800"/>
-            <a:ext cx="6096000" cy="3429000"/>
-          </a:xfrm>
-          <a:custGeom>
-            <a:avLst/>
-            <a:gdLst/>
-            <a:ahLst/>
-            <a:cxnLst/>
-            <a:rect l="0" t="0" r="0" b="0"/>
-            <a:pathLst>
-              <a:path w="120000" h="120000" extrusionOk="0">
-                <a:moveTo>
-                  <a:pt x="0" y="0"/>
-                </a:moveTo>
-                <a:lnTo>
-                  <a:pt x="120000" y="0"/>
-                </a:lnTo>
-                <a:lnTo>
-                  <a:pt x="120000" y="120000"/>
-                </a:lnTo>
-                <a:lnTo>
-                  <a:pt x="0" y="120000"/>
-                </a:lnTo>
-                <a:close/>
-              </a:path>
-            </a:pathLst>
-          </a:custGeom>
-        </p:spPr>
-      </p:sp>
-      <p:sp>
-        <p:nvSpPr>
-          <p:cNvPr id="234" name="Shape 234"/>
-          <p:cNvSpPr txBox="1">
-            <a:spLocks noGrp="1"/>
-          </p:cNvSpPr>
-          <p:nvPr>
-            <p:ph type="body" idx="1"/>
-          </p:nvPr>
-        </p:nvSpPr>
-        <p:spPr>
-          <a:xfrm>
-            <a:off x="685800" y="4343400"/>
-            <a:ext cx="5486400" cy="4114800"/>
-          </a:xfrm>
-          <a:prstGeom prst="rect">
-            <a:avLst/>
-          </a:prstGeom>
-        </p:spPr>
-        <p:txBody>
-          <a:bodyPr wrap="square" lIns="91425" tIns="91425" rIns="91425" bIns="91425" anchor="t" anchorCtr="0">
-            <a:noAutofit/>
-          </a:bodyPr>
-          <a:lstStyle/>
-          <a:p>
-            <a:pPr lvl="0">
-              <a:spcBef>
-                <a:spcPts val="0"/>
-              </a:spcBef>
-              <a:buNone/>
-            </a:pPr>
-            <a:endParaRPr/>
-          </a:p>
-        </p:txBody>
-      </p:sp>
-    </p:spTree>
-    <p:extLst>
-      <p:ext uri="{BB962C8B-B14F-4D97-AF65-F5344CB8AC3E}">
-        <p14:creationId xmlns:p14="http://schemas.microsoft.com/office/powerpoint/2010/main" val="2758767299"/>
-      </p:ext>
-    </p:extLst>
-  </p:cSld>
-  <p:clrMapOvr>
-    <a:masterClrMapping/>
-  </p:clrMapOvr>
-</p:notes>
-</file>
-
-<file path=ppt/notesSlides/notesSlide11.xml><?xml version="1.0" encoding="utf-8"?>
-<p:notes xmlns:a="http://schemas.openxmlformats.org/drawingml/2006/main" xmlns:r="http://schemas.openxmlformats.org/officeDocument/2006/relationships" xmlns:p="http://schemas.openxmlformats.org/presentationml/2006/main" showMasterSp="0" showMasterPhAnim="0">
-  <p:cSld>
-    <p:spTree>
-      <p:nvGrpSpPr>
-        <p:cNvPr id="1" name="Shape 232"/>
-        <p:cNvGrpSpPr/>
-        <p:nvPr/>
-      </p:nvGrpSpPr>
-      <p:grpSpPr>
-        <a:xfrm>
-          <a:off x="0" y="0"/>
-          <a:ext cx="0" cy="0"/>
-          <a:chOff x="0" y="0"/>
-          <a:chExt cx="0" cy="0"/>
-        </a:xfrm>
-      </p:grpSpPr>
-      <p:sp>
-        <p:nvSpPr>
-          <p:cNvPr id="233" name="Shape 233"/>
-          <p:cNvSpPr>
-            <a:spLocks noGrp="1" noRot="1" noChangeAspect="1"/>
-          </p:cNvSpPr>
-          <p:nvPr>
-            <p:ph type="sldImg" idx="2"/>
-          </p:nvPr>
-        </p:nvSpPr>
-        <p:spPr>
-          <a:xfrm>
-            <a:off x="381000" y="685800"/>
-            <a:ext cx="6096000" cy="3429000"/>
-          </a:xfrm>
-          <a:custGeom>
-            <a:avLst/>
-            <a:gdLst/>
-            <a:ahLst/>
-            <a:cxnLst/>
-            <a:rect l="0" t="0" r="0" b="0"/>
-            <a:pathLst>
-              <a:path w="120000" h="120000" extrusionOk="0">
-                <a:moveTo>
-                  <a:pt x="0" y="0"/>
-                </a:moveTo>
-                <a:lnTo>
-                  <a:pt x="120000" y="0"/>
-                </a:lnTo>
-                <a:lnTo>
-                  <a:pt x="120000" y="120000"/>
-                </a:lnTo>
-                <a:lnTo>
-                  <a:pt x="0" y="120000"/>
-                </a:lnTo>
-                <a:close/>
-              </a:path>
-            </a:pathLst>
-          </a:custGeom>
-        </p:spPr>
-      </p:sp>
-      <p:sp>
-        <p:nvSpPr>
-          <p:cNvPr id="234" name="Shape 234"/>
-          <p:cNvSpPr txBox="1">
-            <a:spLocks noGrp="1"/>
-          </p:cNvSpPr>
-          <p:nvPr>
-            <p:ph type="body" idx="1"/>
-          </p:nvPr>
-        </p:nvSpPr>
-        <p:spPr>
-          <a:xfrm>
-            <a:off x="685800" y="4343400"/>
-            <a:ext cx="5486400" cy="4114800"/>
-          </a:xfrm>
-          <a:prstGeom prst="rect">
-            <a:avLst/>
-          </a:prstGeom>
-        </p:spPr>
-        <p:txBody>
-          <a:bodyPr wrap="square" lIns="91425" tIns="91425" rIns="91425" bIns="91425" anchor="t" anchorCtr="0">
-            <a:noAutofit/>
-          </a:bodyPr>
-          <a:lstStyle/>
-          <a:p>
-            <a:pPr lvl="0">
-              <a:spcBef>
-                <a:spcPts val="0"/>
-              </a:spcBef>
-              <a:buNone/>
-            </a:pPr>
-            <a:endParaRPr/>
-          </a:p>
-        </p:txBody>
-      </p:sp>
-    </p:spTree>
-    <p:extLst>
-      <p:ext uri="{BB962C8B-B14F-4D97-AF65-F5344CB8AC3E}">
-        <p14:creationId xmlns:p14="http://schemas.microsoft.com/office/powerpoint/2010/main" val="660990625"/>
-      </p:ext>
-    </p:extLst>
-  </p:cSld>
-  <p:clrMapOvr>
-    <a:masterClrMapping/>
-  </p:clrMapOvr>
-</p:notes>
-</file>
-
-<file path=ppt/notesSlides/notesSlide12.xml><?xml version="1.0" encoding="utf-8"?>
-<p:notes xmlns:a="http://schemas.openxmlformats.org/drawingml/2006/main" xmlns:r="http://schemas.openxmlformats.org/officeDocument/2006/relationships" xmlns:p="http://schemas.openxmlformats.org/presentationml/2006/main" showMasterSp="0" showMasterPhAnim="0">
-  <p:cSld>
-    <p:spTree>
-      <p:nvGrpSpPr>
-        <p:cNvPr id="1" name="Shape 490"/>
-        <p:cNvGrpSpPr/>
-        <p:nvPr/>
-      </p:nvGrpSpPr>
-      <p:grpSpPr>
-        <a:xfrm>
-          <a:off x="0" y="0"/>
-          <a:ext cx="0" cy="0"/>
-          <a:chOff x="0" y="0"/>
-          <a:chExt cx="0" cy="0"/>
-        </a:xfrm>
-      </p:grpSpPr>
-      <p:sp>
-        <p:nvSpPr>
-          <p:cNvPr id="491" name="Shape 491"/>
-          <p:cNvSpPr>
-            <a:spLocks noGrp="1" noRot="1" noChangeAspect="1"/>
-          </p:cNvSpPr>
-          <p:nvPr>
-            <p:ph type="sldImg" idx="2"/>
-          </p:nvPr>
-        </p:nvSpPr>
-        <p:spPr>
-          <a:xfrm>
-            <a:off x="381000" y="685800"/>
-            <a:ext cx="6096000" cy="3429000"/>
-          </a:xfrm>
-          <a:custGeom>
-            <a:avLst/>
-            <a:gdLst/>
-            <a:ahLst/>
-            <a:cxnLst/>
-            <a:rect l="0" t="0" r="0" b="0"/>
-            <a:pathLst>
-              <a:path w="120000" h="120000" extrusionOk="0">
-                <a:moveTo>
-                  <a:pt x="0" y="0"/>
-                </a:moveTo>
-                <a:lnTo>
-                  <a:pt x="120000" y="0"/>
-                </a:lnTo>
-                <a:lnTo>
-                  <a:pt x="120000" y="120000"/>
-                </a:lnTo>
-                <a:lnTo>
-                  <a:pt x="0" y="120000"/>
-                </a:lnTo>
-                <a:close/>
-              </a:path>
-            </a:pathLst>
-          </a:custGeom>
-        </p:spPr>
-      </p:sp>
-      <p:sp>
-        <p:nvSpPr>
-          <p:cNvPr id="492" name="Shape 492"/>
-          <p:cNvSpPr txBox="1">
-            <a:spLocks noGrp="1"/>
-          </p:cNvSpPr>
-          <p:nvPr>
-            <p:ph type="body" idx="1"/>
-          </p:nvPr>
-        </p:nvSpPr>
-        <p:spPr>
-          <a:xfrm>
-            <a:off x="685800" y="4343400"/>
-            <a:ext cx="5486400" cy="4114800"/>
-          </a:xfrm>
-          <a:prstGeom prst="rect">
-            <a:avLst/>
-          </a:prstGeom>
-        </p:spPr>
-        <p:txBody>
-          <a:bodyPr wrap="square" lIns="91425" tIns="91425" rIns="91425" bIns="91425" anchor="t" anchorCtr="0">
-            <a:noAutofit/>
-          </a:bodyPr>
-          <a:lstStyle/>
-          <a:p>
-            <a:pPr lvl="0" rtl="0">
-              <a:spcBef>
-                <a:spcPts val="0"/>
-              </a:spcBef>
-              <a:buNone/>
-            </a:pPr>
-            <a:endParaRPr/>
-          </a:p>
-        </p:txBody>
-      </p:sp>
-    </p:spTree>
-    <p:extLst>
-      <p:ext uri="{BB962C8B-B14F-4D97-AF65-F5344CB8AC3E}">
-        <p14:creationId xmlns:p14="http://schemas.microsoft.com/office/powerpoint/2010/main" val="1532680501"/>
-      </p:ext>
-    </p:extLst>
-  </p:cSld>
-  <p:clrMapOvr>
-    <a:masterClrMapping/>
-  </p:clrMapOvr>
-</p:notes>
-</file>
-
-<file path=ppt/notesSlides/notesSlide13.xml><?xml version="1.0" encoding="utf-8"?>
-<p:notes xmlns:a="http://schemas.openxmlformats.org/drawingml/2006/main" xmlns:r="http://schemas.openxmlformats.org/officeDocument/2006/relationships" xmlns:p="http://schemas.openxmlformats.org/presentationml/2006/main" showMasterSp="0" showMasterPhAnim="0">
-  <p:cSld>
-    <p:spTree>
-      <p:nvGrpSpPr>
-        <p:cNvPr id="1" name="Shape 498"/>
-        <p:cNvGrpSpPr/>
-        <p:nvPr/>
-      </p:nvGrpSpPr>
-      <p:grpSpPr>
-        <a:xfrm>
-          <a:off x="0" y="0"/>
-          <a:ext cx="0" cy="0"/>
-          <a:chOff x="0" y="0"/>
-          <a:chExt cx="0" cy="0"/>
-        </a:xfrm>
-      </p:grpSpPr>
-      <p:sp>
-        <p:nvSpPr>
-          <p:cNvPr id="499" name="Shape 499"/>
-          <p:cNvSpPr>
-            <a:spLocks noGrp="1" noRot="1" noChangeAspect="1"/>
-          </p:cNvSpPr>
-          <p:nvPr>
-            <p:ph type="sldImg" idx="2"/>
-          </p:nvPr>
-        </p:nvSpPr>
-        <p:spPr>
-          <a:xfrm>
-            <a:off x="381000" y="685800"/>
-            <a:ext cx="6096000" cy="3429000"/>
-          </a:xfrm>
-          <a:custGeom>
-            <a:avLst/>
-            <a:gdLst/>
-            <a:ahLst/>
-            <a:cxnLst/>
-            <a:rect l="0" t="0" r="0" b="0"/>
-            <a:pathLst>
-              <a:path w="120000" h="120000" extrusionOk="0">
-                <a:moveTo>
-                  <a:pt x="0" y="0"/>
-                </a:moveTo>
-                <a:lnTo>
-                  <a:pt x="120000" y="0"/>
-                </a:lnTo>
-                <a:lnTo>
-                  <a:pt x="120000" y="120000"/>
-                </a:lnTo>
-                <a:lnTo>
-                  <a:pt x="0" y="120000"/>
-                </a:lnTo>
-                <a:close/>
-              </a:path>
-            </a:pathLst>
-          </a:custGeom>
-        </p:spPr>
-      </p:sp>
-      <p:sp>
-        <p:nvSpPr>
-          <p:cNvPr id="500" name="Shape 500"/>
-          <p:cNvSpPr txBox="1">
-            <a:spLocks noGrp="1"/>
-          </p:cNvSpPr>
-          <p:nvPr>
-            <p:ph type="body" idx="1"/>
-          </p:nvPr>
-        </p:nvSpPr>
-        <p:spPr>
-          <a:xfrm>
-            <a:off x="685800" y="4343400"/>
-            <a:ext cx="5486400" cy="4114800"/>
-          </a:xfrm>
-          <a:prstGeom prst="rect">
-            <a:avLst/>
-          </a:prstGeom>
-        </p:spPr>
-        <p:txBody>
-          <a:bodyPr wrap="square" lIns="91425" tIns="91425" rIns="91425" bIns="91425" anchor="t" anchorCtr="0">
-            <a:noAutofit/>
-          </a:bodyPr>
-          <a:lstStyle/>
-          <a:p>
-            <a:pPr lvl="0">
-              <a:spcBef>
-                <a:spcPts val="0"/>
-              </a:spcBef>
-              <a:buNone/>
-            </a:pPr>
-            <a:endParaRPr/>
-          </a:p>
-        </p:txBody>
-      </p:sp>
-    </p:spTree>
-    <p:extLst>
-      <p:ext uri="{BB962C8B-B14F-4D97-AF65-F5344CB8AC3E}">
-        <p14:creationId xmlns:p14="http://schemas.microsoft.com/office/powerpoint/2010/main" val="1503192412"/>
-      </p:ext>
-    </p:extLst>
-  </p:cSld>
-  <p:clrMapOvr>
-    <a:masterClrMapping/>
-  </p:clrMapOvr>
-</p:notes>
-</file>
-
 <file path=ppt/notesSlides/notesSlide2.xml><?xml version="1.0" encoding="utf-8"?>
 <p:notes xmlns:a="http://schemas.openxmlformats.org/drawingml/2006/main" xmlns:r="http://schemas.openxmlformats.org/officeDocument/2006/relationships" xmlns:p="http://schemas.openxmlformats.org/presentationml/2006/main" showMasterSp="0" showMasterPhAnim="0">
   <p:cSld>
@@ -1790,112 +1361,6 @@
     <p:extLst>
       <p:ext uri="{BB962C8B-B14F-4D97-AF65-F5344CB8AC3E}">
         <p14:creationId xmlns:p14="http://schemas.microsoft.com/office/powerpoint/2010/main" val="103754824"/>
-      </p:ext>
-    </p:extLst>
-  </p:cSld>
-  <p:clrMapOvr>
-    <a:masterClrMapping/>
-  </p:clrMapOvr>
-</p:notes>
-</file>
-
-<file path=ppt/notesSlides/notesSlide9.xml><?xml version="1.0" encoding="utf-8"?>
-<p:notes xmlns:a="http://schemas.openxmlformats.org/drawingml/2006/main" xmlns:r="http://schemas.openxmlformats.org/officeDocument/2006/relationships" xmlns:p="http://schemas.openxmlformats.org/presentationml/2006/main" showMasterSp="0" showMasterPhAnim="0">
-  <p:cSld>
-    <p:spTree>
-      <p:nvGrpSpPr>
-        <p:cNvPr id="1" name="Shape 232"/>
-        <p:cNvGrpSpPr/>
-        <p:nvPr/>
-      </p:nvGrpSpPr>
-      <p:grpSpPr>
-        <a:xfrm>
-          <a:off x="0" y="0"/>
-          <a:ext cx="0" cy="0"/>
-          <a:chOff x="0" y="0"/>
-          <a:chExt cx="0" cy="0"/>
-        </a:xfrm>
-      </p:grpSpPr>
-      <p:sp>
-        <p:nvSpPr>
-          <p:cNvPr id="233" name="Shape 233"/>
-          <p:cNvSpPr>
-            <a:spLocks noGrp="1" noRot="1" noChangeAspect="1"/>
-          </p:cNvSpPr>
-          <p:nvPr>
-            <p:ph type="sldImg" idx="2"/>
-          </p:nvPr>
-        </p:nvSpPr>
-        <p:spPr>
-          <a:xfrm>
-            <a:off x="381000" y="685800"/>
-            <a:ext cx="6096000" cy="3429000"/>
-          </a:xfrm>
-          <a:custGeom>
-            <a:avLst/>
-            <a:gdLst/>
-            <a:ahLst/>
-            <a:cxnLst/>
-            <a:rect l="0" t="0" r="0" b="0"/>
-            <a:pathLst>
-              <a:path w="120000" h="120000" extrusionOk="0">
-                <a:moveTo>
-                  <a:pt x="0" y="0"/>
-                </a:moveTo>
-                <a:lnTo>
-                  <a:pt x="120000" y="0"/>
-                </a:lnTo>
-                <a:lnTo>
-                  <a:pt x="120000" y="120000"/>
-                </a:lnTo>
-                <a:lnTo>
-                  <a:pt x="0" y="120000"/>
-                </a:lnTo>
-                <a:close/>
-              </a:path>
-            </a:pathLst>
-          </a:custGeom>
-        </p:spPr>
-      </p:sp>
-      <p:sp>
-        <p:nvSpPr>
-          <p:cNvPr id="234" name="Shape 234"/>
-          <p:cNvSpPr txBox="1">
-            <a:spLocks noGrp="1"/>
-          </p:cNvSpPr>
-          <p:nvPr>
-            <p:ph type="body" idx="1"/>
-          </p:nvPr>
-        </p:nvSpPr>
-        <p:spPr>
-          <a:xfrm>
-            <a:off x="685800" y="4343400"/>
-            <a:ext cx="5486400" cy="4114800"/>
-          </a:xfrm>
-          <a:prstGeom prst="rect">
-            <a:avLst/>
-          </a:prstGeom>
-        </p:spPr>
-        <p:txBody>
-          <a:bodyPr wrap="square" lIns="91425" tIns="91425" rIns="91425" bIns="91425" anchor="t" anchorCtr="0">
-            <a:noAutofit/>
-          </a:bodyPr>
-          <a:lstStyle/>
-          <a:p>
-            <a:pPr lvl="0">
-              <a:spcBef>
-                <a:spcPts val="0"/>
-              </a:spcBef>
-              <a:buNone/>
-            </a:pPr>
-            <a:endParaRPr/>
-          </a:p>
-        </p:txBody>
-      </p:sp>
-    </p:spTree>
-    <p:extLst>
-      <p:ext uri="{BB962C8B-B14F-4D97-AF65-F5344CB8AC3E}">
-        <p14:creationId xmlns:p14="http://schemas.microsoft.com/office/powerpoint/2010/main" val="3140123432"/>
       </p:ext>
     </p:extLst>
   </p:cSld>
@@ -2693,539 +2158,6 @@
 </file>
 
 <file path=ppt/slideLayouts/slideLayout2.xml><?xml version="1.0" encoding="utf-8"?>
-<p:sldLayout xmlns:a="http://schemas.openxmlformats.org/drawingml/2006/main" xmlns:r="http://schemas.openxmlformats.org/officeDocument/2006/relationships" xmlns:p="http://schemas.openxmlformats.org/presentationml/2006/main" type="blank">
-  <p:cSld name="Blank">
-    <p:spTree>
-      <p:nvGrpSpPr>
-        <p:cNvPr id="1" name="Shape 162"/>
-        <p:cNvGrpSpPr/>
-        <p:nvPr/>
-      </p:nvGrpSpPr>
-      <p:grpSpPr>
-        <a:xfrm>
-          <a:off x="0" y="0"/>
-          <a:ext cx="0" cy="0"/>
-          <a:chOff x="0" y="0"/>
-          <a:chExt cx="0" cy="0"/>
-        </a:xfrm>
-      </p:grpSpPr>
-      <p:sp>
-        <p:nvSpPr>
-          <p:cNvPr id="163" name="Shape 163"/>
-          <p:cNvSpPr txBox="1">
-            <a:spLocks noGrp="1"/>
-          </p:cNvSpPr>
-          <p:nvPr>
-            <p:ph type="sldNum" idx="12"/>
-          </p:nvPr>
-        </p:nvSpPr>
-        <p:spPr>
-          <a:xfrm>
-            <a:off x="7618000" y="4636500"/>
-            <a:ext cx="1487400" cy="315600"/>
-          </a:xfrm>
-          <a:prstGeom prst="rect">
-            <a:avLst/>
-          </a:prstGeom>
-        </p:spPr>
-        <p:txBody>
-          <a:bodyPr wrap="square" lIns="91425" tIns="91425" rIns="91425" bIns="91425" anchor="ctr" anchorCtr="0">
-            <a:noAutofit/>
-          </a:bodyPr>
-          <a:lstStyle/>
-          <a:p>
-            <a:pPr lvl="0">
-              <a:spcBef>
-                <a:spcPts val="0"/>
-              </a:spcBef>
-              <a:buNone/>
-            </a:pPr>
-            <a:fld id="{00000000-1234-1234-1234-123412341234}" type="slidenum">
-              <a:rPr lang="en"/>
-              <a:t>‹Nr.›</a:t>
-            </a:fld>
-            <a:endParaRPr lang="en"/>
-          </a:p>
-        </p:txBody>
-      </p:sp>
-      <p:grpSp>
-        <p:nvGrpSpPr>
-          <p:cNvPr id="164" name="Shape 164"/>
-          <p:cNvGrpSpPr/>
-          <p:nvPr/>
-        </p:nvGrpSpPr>
-        <p:grpSpPr>
-          <a:xfrm>
-            <a:off x="6946842" y="4472723"/>
-            <a:ext cx="2202830" cy="670795"/>
-            <a:chOff x="5575242" y="4472723"/>
-            <a:chExt cx="2202830" cy="670795"/>
-          </a:xfrm>
-        </p:grpSpPr>
-        <p:sp>
-          <p:nvSpPr>
-            <p:cNvPr id="165" name="Shape 165"/>
-            <p:cNvSpPr/>
-            <p:nvPr/>
-          </p:nvSpPr>
-          <p:spPr>
-            <a:xfrm rot="10800000">
-              <a:off x="5575242" y="4948334"/>
-              <a:ext cx="394200" cy="131400"/>
-            </a:xfrm>
-            <a:prstGeom prst="triangle">
-              <a:avLst>
-                <a:gd name="adj" fmla="val 32425"/>
-              </a:avLst>
-            </a:prstGeom>
-            <a:solidFill>
-              <a:srgbClr val="D26F00"/>
-            </a:solidFill>
-            <a:ln>
-              <a:noFill/>
-            </a:ln>
-          </p:spPr>
-          <p:txBody>
-            <a:bodyPr wrap="square" lIns="91425" tIns="91425" rIns="91425" bIns="91425" anchor="ctr" anchorCtr="0">
-              <a:noAutofit/>
-            </a:bodyPr>
-            <a:lstStyle/>
-            <a:p>
-              <a:pPr lvl="0">
-                <a:spcBef>
-                  <a:spcPts val="0"/>
-                </a:spcBef>
-                <a:buNone/>
-              </a:pPr>
-              <a:endParaRPr/>
-            </a:p>
-          </p:txBody>
-        </p:sp>
-        <p:grpSp>
-          <p:nvGrpSpPr>
-            <p:cNvPr id="166" name="Shape 166"/>
-            <p:cNvGrpSpPr/>
-            <p:nvPr/>
-          </p:nvGrpSpPr>
-          <p:grpSpPr>
-            <a:xfrm flipH="1">
-              <a:off x="5734850" y="4472723"/>
-              <a:ext cx="2040837" cy="670795"/>
-              <a:chOff x="1297954" y="330075"/>
-              <a:chExt cx="5169293" cy="1699506"/>
-            </a:xfrm>
-          </p:grpSpPr>
-          <p:sp>
-            <p:nvSpPr>
-              <p:cNvPr id="167" name="Shape 167"/>
-              <p:cNvSpPr/>
-              <p:nvPr/>
-            </p:nvSpPr>
-            <p:spPr>
-              <a:xfrm>
-                <a:off x="1297954" y="330081"/>
-                <a:ext cx="3476700" cy="1699500"/>
-              </a:xfrm>
-              <a:prstGeom prst="rect">
-                <a:avLst/>
-              </a:prstGeom>
-              <a:solidFill>
-                <a:srgbClr val="C7D3E6"/>
-              </a:solidFill>
-              <a:ln>
-                <a:noFill/>
-              </a:ln>
-            </p:spPr>
-            <p:txBody>
-              <a:bodyPr wrap="square" lIns="91425" tIns="91425" rIns="91425" bIns="91425" anchor="ctr" anchorCtr="0">
-                <a:noAutofit/>
-              </a:bodyPr>
-              <a:lstStyle/>
-              <a:p>
-                <a:pPr lvl="0" rtl="0">
-                  <a:spcBef>
-                    <a:spcPts val="0"/>
-                  </a:spcBef>
-                  <a:buNone/>
-                </a:pPr>
-                <a:endParaRPr/>
-              </a:p>
-            </p:txBody>
-          </p:sp>
-          <p:sp>
-            <p:nvSpPr>
-              <p:cNvPr id="168" name="Shape 168"/>
-              <p:cNvSpPr/>
-              <p:nvPr/>
-            </p:nvSpPr>
-            <p:spPr>
-              <a:xfrm>
-                <a:off x="4767747" y="330075"/>
-                <a:ext cx="1699500" cy="1699500"/>
-              </a:xfrm>
-              <a:prstGeom prst="rtTriangle">
-                <a:avLst/>
-              </a:prstGeom>
-              <a:solidFill>
-                <a:srgbClr val="C7D3E6"/>
-              </a:solidFill>
-              <a:ln>
-                <a:noFill/>
-              </a:ln>
-            </p:spPr>
-            <p:txBody>
-              <a:bodyPr wrap="square" lIns="91425" tIns="91425" rIns="91425" bIns="91425" anchor="ctr" anchorCtr="0">
-                <a:noAutofit/>
-              </a:bodyPr>
-              <a:lstStyle/>
-              <a:p>
-                <a:pPr lvl="0">
-                  <a:spcBef>
-                    <a:spcPts val="0"/>
-                  </a:spcBef>
-                  <a:buNone/>
-                </a:pPr>
-                <a:endParaRPr/>
-              </a:p>
-            </p:txBody>
-          </p:sp>
-        </p:grpSp>
-        <p:grpSp>
-          <p:nvGrpSpPr>
-            <p:cNvPr id="169" name="Shape 169"/>
-            <p:cNvGrpSpPr/>
-            <p:nvPr/>
-          </p:nvGrpSpPr>
-          <p:grpSpPr>
-            <a:xfrm flipH="1">
-              <a:off x="5578209" y="4646738"/>
-              <a:ext cx="2199863" cy="304563"/>
-              <a:chOff x="-5827153" y="330075"/>
-              <a:chExt cx="12276019" cy="1699569"/>
-            </a:xfrm>
-          </p:grpSpPr>
-          <p:sp>
-            <p:nvSpPr>
-              <p:cNvPr id="170" name="Shape 170"/>
-              <p:cNvSpPr/>
-              <p:nvPr/>
-            </p:nvSpPr>
-            <p:spPr>
-              <a:xfrm>
-                <a:off x="-5827153" y="330144"/>
-                <a:ext cx="10612200" cy="1699500"/>
-              </a:xfrm>
-              <a:prstGeom prst="rect">
-                <a:avLst/>
-              </a:prstGeom>
-              <a:solidFill>
-                <a:srgbClr val="FF9800"/>
-              </a:solidFill>
-              <a:ln>
-                <a:noFill/>
-              </a:ln>
-            </p:spPr>
-            <p:txBody>
-              <a:bodyPr wrap="square" lIns="91425" tIns="91425" rIns="91425" bIns="91425" anchor="ctr" anchorCtr="0">
-                <a:noAutofit/>
-              </a:bodyPr>
-              <a:lstStyle/>
-              <a:p>
-                <a:pPr lvl="0" rtl="0">
-                  <a:spcBef>
-                    <a:spcPts val="0"/>
-                  </a:spcBef>
-                  <a:buNone/>
-                </a:pPr>
-                <a:endParaRPr/>
-              </a:p>
-            </p:txBody>
-          </p:sp>
-          <p:sp>
-            <p:nvSpPr>
-              <p:cNvPr id="171" name="Shape 171"/>
-              <p:cNvSpPr/>
-              <p:nvPr/>
-            </p:nvSpPr>
-            <p:spPr>
-              <a:xfrm>
-                <a:off x="4749366" y="330075"/>
-                <a:ext cx="1699500" cy="1699500"/>
-              </a:xfrm>
-              <a:prstGeom prst="rtTriangle">
-                <a:avLst/>
-              </a:prstGeom>
-              <a:solidFill>
-                <a:srgbClr val="FF9800"/>
-              </a:solidFill>
-              <a:ln>
-                <a:noFill/>
-              </a:ln>
-            </p:spPr>
-            <p:txBody>
-              <a:bodyPr wrap="square" lIns="91425" tIns="91425" rIns="91425" bIns="91425" anchor="ctr" anchorCtr="0">
-                <a:noAutofit/>
-              </a:bodyPr>
-              <a:lstStyle/>
-              <a:p>
-                <a:pPr lvl="0">
-                  <a:spcBef>
-                    <a:spcPts val="0"/>
-                  </a:spcBef>
-                  <a:buNone/>
-                </a:pPr>
-                <a:endParaRPr/>
-              </a:p>
-            </p:txBody>
-          </p:sp>
-        </p:grpSp>
-      </p:grpSp>
-      <p:grpSp>
-        <p:nvGrpSpPr>
-          <p:cNvPr id="172" name="Shape 172"/>
-          <p:cNvGrpSpPr/>
-          <p:nvPr/>
-        </p:nvGrpSpPr>
-        <p:grpSpPr>
-          <a:xfrm rot="10800000">
-            <a:off x="-8" y="-2"/>
-            <a:ext cx="2202830" cy="670795"/>
-            <a:chOff x="5575242" y="4472723"/>
-            <a:chExt cx="2202830" cy="670795"/>
-          </a:xfrm>
-        </p:grpSpPr>
-        <p:sp>
-          <p:nvSpPr>
-            <p:cNvPr id="173" name="Shape 173"/>
-            <p:cNvSpPr/>
-            <p:nvPr/>
-          </p:nvSpPr>
-          <p:spPr>
-            <a:xfrm rot="10800000">
-              <a:off x="5575242" y="4948334"/>
-              <a:ext cx="394200" cy="131400"/>
-            </a:xfrm>
-            <a:prstGeom prst="triangle">
-              <a:avLst>
-                <a:gd name="adj" fmla="val 32425"/>
-              </a:avLst>
-            </a:prstGeom>
-            <a:solidFill>
-              <a:srgbClr val="263248"/>
-            </a:solidFill>
-            <a:ln>
-              <a:noFill/>
-            </a:ln>
-          </p:spPr>
-          <p:txBody>
-            <a:bodyPr wrap="square" lIns="91425" tIns="91425" rIns="91425" bIns="91425" anchor="ctr" anchorCtr="0">
-              <a:noAutofit/>
-            </a:bodyPr>
-            <a:lstStyle/>
-            <a:p>
-              <a:pPr lvl="0">
-                <a:spcBef>
-                  <a:spcPts val="0"/>
-                </a:spcBef>
-                <a:buNone/>
-              </a:pPr>
-              <a:endParaRPr/>
-            </a:p>
-          </p:txBody>
-        </p:sp>
-        <p:grpSp>
-          <p:nvGrpSpPr>
-            <p:cNvPr id="174" name="Shape 174"/>
-            <p:cNvGrpSpPr/>
-            <p:nvPr/>
-          </p:nvGrpSpPr>
-          <p:grpSpPr>
-            <a:xfrm flipH="1">
-              <a:off x="5734850" y="4472723"/>
-              <a:ext cx="2040837" cy="670795"/>
-              <a:chOff x="1297954" y="330075"/>
-              <a:chExt cx="5169293" cy="1699506"/>
-            </a:xfrm>
-          </p:grpSpPr>
-          <p:sp>
-            <p:nvSpPr>
-              <p:cNvPr id="175" name="Shape 175"/>
-              <p:cNvSpPr/>
-              <p:nvPr/>
-            </p:nvSpPr>
-            <p:spPr>
-              <a:xfrm>
-                <a:off x="1297954" y="330081"/>
-                <a:ext cx="3476700" cy="1699500"/>
-              </a:xfrm>
-              <a:prstGeom prst="rect">
-                <a:avLst/>
-              </a:prstGeom>
-              <a:solidFill>
-                <a:srgbClr val="C7D3E6"/>
-              </a:solidFill>
-              <a:ln>
-                <a:noFill/>
-              </a:ln>
-            </p:spPr>
-            <p:txBody>
-              <a:bodyPr wrap="square" lIns="91425" tIns="91425" rIns="91425" bIns="91425" anchor="ctr" anchorCtr="0">
-                <a:noAutofit/>
-              </a:bodyPr>
-              <a:lstStyle/>
-              <a:p>
-                <a:pPr lvl="0" rtl="0">
-                  <a:spcBef>
-                    <a:spcPts val="0"/>
-                  </a:spcBef>
-                  <a:buNone/>
-                </a:pPr>
-                <a:endParaRPr/>
-              </a:p>
-            </p:txBody>
-          </p:sp>
-          <p:sp>
-            <p:nvSpPr>
-              <p:cNvPr id="176" name="Shape 176"/>
-              <p:cNvSpPr/>
-              <p:nvPr/>
-            </p:nvSpPr>
-            <p:spPr>
-              <a:xfrm>
-                <a:off x="4767747" y="330075"/>
-                <a:ext cx="1699500" cy="1699500"/>
-              </a:xfrm>
-              <a:prstGeom prst="rtTriangle">
-                <a:avLst/>
-              </a:prstGeom>
-              <a:solidFill>
-                <a:srgbClr val="C7D3E6"/>
-              </a:solidFill>
-              <a:ln>
-                <a:noFill/>
-              </a:ln>
-            </p:spPr>
-            <p:txBody>
-              <a:bodyPr wrap="square" lIns="91425" tIns="91425" rIns="91425" bIns="91425" anchor="ctr" anchorCtr="0">
-                <a:noAutofit/>
-              </a:bodyPr>
-              <a:lstStyle/>
-              <a:p>
-                <a:pPr lvl="0">
-                  <a:spcBef>
-                    <a:spcPts val="0"/>
-                  </a:spcBef>
-                  <a:buNone/>
-                </a:pPr>
-                <a:endParaRPr/>
-              </a:p>
-            </p:txBody>
-          </p:sp>
-        </p:grpSp>
-        <p:grpSp>
-          <p:nvGrpSpPr>
-            <p:cNvPr id="177" name="Shape 177"/>
-            <p:cNvGrpSpPr/>
-            <p:nvPr/>
-          </p:nvGrpSpPr>
-          <p:grpSpPr>
-            <a:xfrm flipH="1">
-              <a:off x="5578209" y="4646738"/>
-              <a:ext cx="2199863" cy="304563"/>
-              <a:chOff x="-5827153" y="330075"/>
-              <a:chExt cx="12276019" cy="1699569"/>
-            </a:xfrm>
-          </p:grpSpPr>
-          <p:sp>
-            <p:nvSpPr>
-              <p:cNvPr id="178" name="Shape 178"/>
-              <p:cNvSpPr/>
-              <p:nvPr/>
-            </p:nvSpPr>
-            <p:spPr>
-              <a:xfrm>
-                <a:off x="-5827153" y="330144"/>
-                <a:ext cx="10612200" cy="1699500"/>
-              </a:xfrm>
-              <a:prstGeom prst="rect">
-                <a:avLst/>
-              </a:prstGeom>
-              <a:solidFill>
-                <a:srgbClr val="3F5378"/>
-              </a:solidFill>
-              <a:ln>
-                <a:noFill/>
-              </a:ln>
-            </p:spPr>
-            <p:txBody>
-              <a:bodyPr wrap="square" lIns="91425" tIns="91425" rIns="91425" bIns="91425" anchor="ctr" anchorCtr="0">
-                <a:noAutofit/>
-              </a:bodyPr>
-              <a:lstStyle/>
-              <a:p>
-                <a:pPr lvl="0" rtl="0">
-                  <a:spcBef>
-                    <a:spcPts val="0"/>
-                  </a:spcBef>
-                  <a:buNone/>
-                </a:pPr>
-                <a:endParaRPr/>
-              </a:p>
-            </p:txBody>
-          </p:sp>
-          <p:sp>
-            <p:nvSpPr>
-              <p:cNvPr id="179" name="Shape 179"/>
-              <p:cNvSpPr/>
-              <p:nvPr/>
-            </p:nvSpPr>
-            <p:spPr>
-              <a:xfrm>
-                <a:off x="4749366" y="330075"/>
-                <a:ext cx="1699500" cy="1699500"/>
-              </a:xfrm>
-              <a:prstGeom prst="rtTriangle">
-                <a:avLst/>
-              </a:prstGeom>
-              <a:solidFill>
-                <a:srgbClr val="3F5378"/>
-              </a:solidFill>
-              <a:ln>
-                <a:noFill/>
-              </a:ln>
-            </p:spPr>
-            <p:txBody>
-              <a:bodyPr wrap="square" lIns="91425" tIns="91425" rIns="91425" bIns="91425" anchor="ctr" anchorCtr="0">
-                <a:noAutofit/>
-              </a:bodyPr>
-              <a:lstStyle/>
-              <a:p>
-                <a:pPr lvl="0">
-                  <a:spcBef>
-                    <a:spcPts val="0"/>
-                  </a:spcBef>
-                  <a:buNone/>
-                </a:pPr>
-                <a:endParaRPr/>
-              </a:p>
-            </p:txBody>
-          </p:sp>
-        </p:grpSp>
-      </p:grpSp>
-    </p:spTree>
-    <p:extLst>
-      <p:ext uri="{BB962C8B-B14F-4D97-AF65-F5344CB8AC3E}">
-        <p14:creationId xmlns:p14="http://schemas.microsoft.com/office/powerpoint/2010/main" val="3822287103"/>
-      </p:ext>
-    </p:extLst>
-  </p:cSld>
-  <p:clrMapOvr>
-    <a:masterClrMapping/>
-  </p:clrMapOvr>
-</p:sldLayout>
-</file>
-
-<file path=ppt/slideLayouts/slideLayout3.xml><?xml version="1.0" encoding="utf-8"?>
 <p:sldLayout xmlns:a="http://schemas.openxmlformats.org/drawingml/2006/main" xmlns:r="http://schemas.openxmlformats.org/officeDocument/2006/relationships" xmlns:p="http://schemas.openxmlformats.org/presentationml/2006/main" type="tx">
   <p:cSld name="Title + 1 column">
     <p:spTree>
@@ -4487,8 +3419,7 @@
   <p:clrMap bg1="lt1" tx1="dk1" bg2="dk2" tx2="lt2" accent1="accent1" accent2="accent2" accent3="accent3" accent4="accent4" accent5="accent5" accent6="accent6" hlink="hlink" folHlink="folHlink"/>
   <p:sldLayoutIdLst>
     <p:sldLayoutId id="2147483649" r:id="rId1"/>
-    <p:sldLayoutId id="2147483659" r:id="rId2"/>
-    <p:sldLayoutId id="2147483660" r:id="rId3"/>
+    <p:sldLayoutId id="2147483660" r:id="rId2"/>
   </p:sldLayoutIdLst>
   <p:transition>
     <p:fade thruBlk="1"/>
@@ -5129,1937 +4060,6 @@
 </p:sld>
 </file>
 
-<file path=ppt/slides/slide10.xml><?xml version="1.0" encoding="utf-8"?>
-<p:sld xmlns:a="http://schemas.openxmlformats.org/drawingml/2006/main" xmlns:r="http://schemas.openxmlformats.org/officeDocument/2006/relationships" xmlns:p="http://schemas.openxmlformats.org/presentationml/2006/main">
-  <p:cSld>
-    <p:spTree>
-      <p:nvGrpSpPr>
-        <p:cNvPr id="1" name="Shape 235"/>
-        <p:cNvGrpSpPr/>
-        <p:nvPr/>
-      </p:nvGrpSpPr>
-      <p:grpSpPr>
-        <a:xfrm>
-          <a:off x="0" y="0"/>
-          <a:ext cx="0" cy="0"/>
-          <a:chOff x="0" y="0"/>
-          <a:chExt cx="0" cy="0"/>
-        </a:xfrm>
-      </p:grpSpPr>
-      <p:sp>
-        <p:nvSpPr>
-          <p:cNvPr id="236" name="Shape 236"/>
-          <p:cNvSpPr txBox="1">
-            <a:spLocks noGrp="1"/>
-          </p:cNvSpPr>
-          <p:nvPr>
-            <p:ph type="title"/>
-          </p:nvPr>
-        </p:nvSpPr>
-        <p:spPr>
-          <a:xfrm>
-            <a:off x="814275" y="392575"/>
-            <a:ext cx="5492400" cy="766200"/>
-          </a:xfrm>
-          <a:prstGeom prst="rect">
-            <a:avLst/>
-          </a:prstGeom>
-        </p:spPr>
-        <p:txBody>
-          <a:bodyPr wrap="square" lIns="91425" tIns="91425" rIns="91425" bIns="91425" anchor="ctr" anchorCtr="0">
-            <a:noAutofit/>
-          </a:bodyPr>
-          <a:lstStyle/>
-          <a:p>
-            <a:pPr marL="76200" lvl="0">
-              <a:spcAft>
-                <a:spcPts val="1000"/>
-              </a:spcAft>
-            </a:pPr>
-            <a:r>
-              <a:rPr lang="de-DE" dirty="0"/>
-              <a:t>LINEARE REGRESSION - BEISPIEL</a:t>
-            </a:r>
-            <a:endParaRPr lang="en" dirty="0"/>
-          </a:p>
-        </p:txBody>
-      </p:sp>
-      <p:sp>
-        <p:nvSpPr>
-          <p:cNvPr id="237" name="Shape 237"/>
-          <p:cNvSpPr txBox="1">
-            <a:spLocks noGrp="1"/>
-          </p:cNvSpPr>
-          <p:nvPr>
-            <p:ph type="body" idx="1"/>
-          </p:nvPr>
-        </p:nvSpPr>
-        <p:spPr>
-          <a:xfrm>
-            <a:off x="814274" y="1327350"/>
-            <a:ext cx="6803725" cy="3542362"/>
-          </a:xfrm>
-          <a:prstGeom prst="rect">
-            <a:avLst/>
-          </a:prstGeom>
-        </p:spPr>
-        <p:txBody>
-          <a:bodyPr wrap="square" lIns="91425" tIns="91425" rIns="91425" bIns="91425" anchor="ctr" anchorCtr="0">
-            <a:noAutofit/>
-          </a:bodyPr>
-          <a:lstStyle/>
-          <a:p>
-            <a:pPr marL="457200" lvl="0" indent="-381000">
-              <a:buFont typeface="Arial" panose="020B0604020202020204" pitchFamily="34" charset="0"/>
-              <a:buChar char="•"/>
-            </a:pPr>
-            <a:r>
-              <a:rPr lang="de-DE" dirty="0"/>
-              <a:t>Geplottete Daten: Was ist jetzt die beste lineare Funktion?</a:t>
-            </a:r>
-          </a:p>
-          <a:p>
-            <a:pPr marL="457200" lvl="0" indent="-381000">
-              <a:buFont typeface="Arial" panose="020B0604020202020204" pitchFamily="34" charset="0"/>
-              <a:buChar char="•"/>
-            </a:pPr>
-            <a:endParaRPr lang="de-DE" dirty="0"/>
-          </a:p>
-          <a:p>
-            <a:pPr marL="457200" lvl="0" indent="-381000">
-              <a:buFont typeface="Arial" panose="020B0604020202020204" pitchFamily="34" charset="0"/>
-              <a:buChar char="•"/>
-            </a:pPr>
-            <a:endParaRPr lang="de-DE" dirty="0"/>
-          </a:p>
-          <a:p>
-            <a:pPr marL="457200" lvl="0" indent="-381000">
-              <a:buFont typeface="Arial" panose="020B0604020202020204" pitchFamily="34" charset="0"/>
-              <a:buChar char="•"/>
-            </a:pPr>
-            <a:endParaRPr lang="de-DE" dirty="0"/>
-          </a:p>
-          <a:p>
-            <a:pPr marL="457200" lvl="0" indent="-381000">
-              <a:buFont typeface="Arial" panose="020B0604020202020204" pitchFamily="34" charset="0"/>
-              <a:buChar char="•"/>
-            </a:pPr>
-            <a:endParaRPr lang="de-DE" dirty="0"/>
-          </a:p>
-          <a:p>
-            <a:pPr marL="457200" lvl="0" indent="-381000">
-              <a:buFont typeface="Arial" panose="020B0604020202020204" pitchFamily="34" charset="0"/>
-              <a:buChar char="•"/>
-            </a:pPr>
-            <a:endParaRPr lang="de-DE" dirty="0"/>
-          </a:p>
-        </p:txBody>
-      </p:sp>
-      <p:sp>
-        <p:nvSpPr>
-          <p:cNvPr id="238" name="Shape 238"/>
-          <p:cNvSpPr txBox="1">
-            <a:spLocks noGrp="1"/>
-          </p:cNvSpPr>
-          <p:nvPr>
-            <p:ph type="sldNum" idx="12"/>
-          </p:nvPr>
-        </p:nvSpPr>
-        <p:spPr>
-          <a:xfrm>
-            <a:off x="7618000" y="4636500"/>
-            <a:ext cx="1487400" cy="315600"/>
-          </a:xfrm>
-          <a:prstGeom prst="rect">
-            <a:avLst/>
-          </a:prstGeom>
-        </p:spPr>
-        <p:txBody>
-          <a:bodyPr wrap="square" lIns="91425" tIns="91425" rIns="91425" bIns="91425" anchor="ctr" anchorCtr="0">
-            <a:noAutofit/>
-          </a:bodyPr>
-          <a:lstStyle/>
-          <a:p>
-            <a:pPr lvl="0">
-              <a:spcBef>
-                <a:spcPts val="0"/>
-              </a:spcBef>
-              <a:buNone/>
-            </a:pPr>
-            <a:fld id="{00000000-1234-1234-1234-123412341234}" type="slidenum">
-              <a:rPr lang="en"/>
-              <a:t>10</a:t>
-            </a:fld>
-            <a:endParaRPr lang="en"/>
-          </a:p>
-        </p:txBody>
-      </p:sp>
-      <p:pic>
-        <p:nvPicPr>
-          <p:cNvPr id="4" name="Grafik 3">
-            <a:extLst>
-              <a:ext uri="{FF2B5EF4-FFF2-40B4-BE49-F238E27FC236}">
-                <a16:creationId xmlns:a16="http://schemas.microsoft.com/office/drawing/2014/main" id="{E42232DD-B408-47CE-95E2-7987ADAA6A22}"/>
-              </a:ext>
-            </a:extLst>
-          </p:cNvPr>
-          <p:cNvPicPr>
-            <a:picLocks noChangeAspect="1"/>
-          </p:cNvPicPr>
-          <p:nvPr/>
-        </p:nvPicPr>
-        <p:blipFill>
-          <a:blip r:embed="rId3"/>
-          <a:stretch>
-            <a:fillRect/>
-          </a:stretch>
-        </p:blipFill>
-        <p:spPr>
-          <a:xfrm>
-            <a:off x="2630622" y="1899561"/>
-            <a:ext cx="4216746" cy="3138726"/>
-          </a:xfrm>
-          <a:prstGeom prst="rect">
-            <a:avLst/>
-          </a:prstGeom>
-        </p:spPr>
-      </p:pic>
-    </p:spTree>
-    <p:extLst>
-      <p:ext uri="{BB962C8B-B14F-4D97-AF65-F5344CB8AC3E}">
-        <p14:creationId xmlns:p14="http://schemas.microsoft.com/office/powerpoint/2010/main" val="606207106"/>
-      </p:ext>
-    </p:extLst>
-  </p:cSld>
-  <p:clrMapOvr>
-    <a:masterClrMapping/>
-  </p:clrMapOvr>
-</p:sld>
-</file>
-
-<file path=ppt/slides/slide11.xml><?xml version="1.0" encoding="utf-8"?>
-<p:sld xmlns:a="http://schemas.openxmlformats.org/drawingml/2006/main" xmlns:r="http://schemas.openxmlformats.org/officeDocument/2006/relationships" xmlns:p="http://schemas.openxmlformats.org/presentationml/2006/main">
-  <p:cSld>
-    <p:spTree>
-      <p:nvGrpSpPr>
-        <p:cNvPr id="1" name="Shape 235"/>
-        <p:cNvGrpSpPr/>
-        <p:nvPr/>
-      </p:nvGrpSpPr>
-      <p:grpSpPr>
-        <a:xfrm>
-          <a:off x="0" y="0"/>
-          <a:ext cx="0" cy="0"/>
-          <a:chOff x="0" y="0"/>
-          <a:chExt cx="0" cy="0"/>
-        </a:xfrm>
-      </p:grpSpPr>
-      <p:sp>
-        <p:nvSpPr>
-          <p:cNvPr id="236" name="Shape 236"/>
-          <p:cNvSpPr txBox="1">
-            <a:spLocks noGrp="1"/>
-          </p:cNvSpPr>
-          <p:nvPr>
-            <p:ph type="title"/>
-          </p:nvPr>
-        </p:nvSpPr>
-        <p:spPr>
-          <a:xfrm>
-            <a:off x="814275" y="392575"/>
-            <a:ext cx="5492400" cy="766200"/>
-          </a:xfrm>
-          <a:prstGeom prst="rect">
-            <a:avLst/>
-          </a:prstGeom>
-        </p:spPr>
-        <p:txBody>
-          <a:bodyPr wrap="square" lIns="91425" tIns="91425" rIns="91425" bIns="91425" anchor="ctr" anchorCtr="0">
-            <a:noAutofit/>
-          </a:bodyPr>
-          <a:lstStyle/>
-          <a:p>
-            <a:pPr marL="76200" lvl="0">
-              <a:spcAft>
-                <a:spcPts val="1000"/>
-              </a:spcAft>
-            </a:pPr>
-            <a:r>
-              <a:rPr lang="de-DE" dirty="0"/>
-              <a:t>LINEARE REGRESSION - BEISPIEL</a:t>
-            </a:r>
-            <a:endParaRPr lang="en" dirty="0"/>
-          </a:p>
-        </p:txBody>
-      </p:sp>
-      <p:sp>
-        <p:nvSpPr>
-          <p:cNvPr id="237" name="Shape 237"/>
-          <p:cNvSpPr txBox="1">
-            <a:spLocks noGrp="1"/>
-          </p:cNvSpPr>
-          <p:nvPr>
-            <p:ph type="body" idx="1"/>
-          </p:nvPr>
-        </p:nvSpPr>
-        <p:spPr>
-          <a:xfrm>
-            <a:off x="814274" y="1327350"/>
-            <a:ext cx="6803725" cy="3542362"/>
-          </a:xfrm>
-          <a:prstGeom prst="rect">
-            <a:avLst/>
-          </a:prstGeom>
-        </p:spPr>
-        <p:txBody>
-          <a:bodyPr wrap="square" lIns="91425" tIns="91425" rIns="91425" bIns="91425" anchor="ctr" anchorCtr="0">
-            <a:noAutofit/>
-          </a:bodyPr>
-          <a:lstStyle/>
-          <a:p>
-            <a:pPr marL="457200" lvl="0" indent="-381000">
-              <a:buFont typeface="Arial" panose="020B0604020202020204" pitchFamily="34" charset="0"/>
-              <a:buChar char="•"/>
-            </a:pPr>
-            <a:r>
-              <a:rPr lang="de-DE" dirty="0"/>
-              <a:t>Geplottete Daten: Was ist jetzt die beste lineare Funktion?</a:t>
-            </a:r>
-          </a:p>
-          <a:p>
-            <a:pPr marL="457200" lvl="0" indent="-381000">
-              <a:buFont typeface="Arial" panose="020B0604020202020204" pitchFamily="34" charset="0"/>
-              <a:buChar char="•"/>
-            </a:pPr>
-            <a:endParaRPr lang="de-DE" dirty="0"/>
-          </a:p>
-          <a:p>
-            <a:pPr marL="457200" lvl="0" indent="-381000">
-              <a:buFont typeface="Arial" panose="020B0604020202020204" pitchFamily="34" charset="0"/>
-              <a:buChar char="•"/>
-            </a:pPr>
-            <a:endParaRPr lang="de-DE" dirty="0"/>
-          </a:p>
-          <a:p>
-            <a:pPr marL="457200" lvl="0" indent="-381000">
-              <a:buFont typeface="Arial" panose="020B0604020202020204" pitchFamily="34" charset="0"/>
-              <a:buChar char="•"/>
-            </a:pPr>
-            <a:endParaRPr lang="de-DE" dirty="0"/>
-          </a:p>
-          <a:p>
-            <a:pPr marL="457200" lvl="0" indent="-381000">
-              <a:buFont typeface="Arial" panose="020B0604020202020204" pitchFamily="34" charset="0"/>
-              <a:buChar char="•"/>
-            </a:pPr>
-            <a:endParaRPr lang="de-DE" dirty="0"/>
-          </a:p>
-          <a:p>
-            <a:pPr marL="457200" lvl="0" indent="-381000">
-              <a:buFont typeface="Arial" panose="020B0604020202020204" pitchFamily="34" charset="0"/>
-              <a:buChar char="•"/>
-            </a:pPr>
-            <a:endParaRPr lang="de-DE" dirty="0"/>
-          </a:p>
-        </p:txBody>
-      </p:sp>
-      <p:sp>
-        <p:nvSpPr>
-          <p:cNvPr id="238" name="Shape 238"/>
-          <p:cNvSpPr txBox="1">
-            <a:spLocks noGrp="1"/>
-          </p:cNvSpPr>
-          <p:nvPr>
-            <p:ph type="sldNum" idx="12"/>
-          </p:nvPr>
-        </p:nvSpPr>
-        <p:spPr>
-          <a:xfrm>
-            <a:off x="7618000" y="4636500"/>
-            <a:ext cx="1487400" cy="315600"/>
-          </a:xfrm>
-          <a:prstGeom prst="rect">
-            <a:avLst/>
-          </a:prstGeom>
-        </p:spPr>
-        <p:txBody>
-          <a:bodyPr wrap="square" lIns="91425" tIns="91425" rIns="91425" bIns="91425" anchor="ctr" anchorCtr="0">
-            <a:noAutofit/>
-          </a:bodyPr>
-          <a:lstStyle/>
-          <a:p>
-            <a:pPr lvl="0">
-              <a:spcBef>
-                <a:spcPts val="0"/>
-              </a:spcBef>
-              <a:buNone/>
-            </a:pPr>
-            <a:fld id="{00000000-1234-1234-1234-123412341234}" type="slidenum">
-              <a:rPr lang="en"/>
-              <a:t>11</a:t>
-            </a:fld>
-            <a:endParaRPr lang="en"/>
-          </a:p>
-        </p:txBody>
-      </p:sp>
-      <p:pic>
-        <p:nvPicPr>
-          <p:cNvPr id="4" name="Grafik 3">
-            <a:extLst>
-              <a:ext uri="{FF2B5EF4-FFF2-40B4-BE49-F238E27FC236}">
-                <a16:creationId xmlns:a16="http://schemas.microsoft.com/office/drawing/2014/main" id="{E42232DD-B408-47CE-95E2-7987ADAA6A22}"/>
-              </a:ext>
-            </a:extLst>
-          </p:cNvPr>
-          <p:cNvPicPr>
-            <a:picLocks noChangeAspect="1"/>
-          </p:cNvPicPr>
-          <p:nvPr/>
-        </p:nvPicPr>
-        <p:blipFill>
-          <a:blip r:embed="rId3"/>
-          <a:stretch>
-            <a:fillRect/>
-          </a:stretch>
-        </p:blipFill>
-        <p:spPr>
-          <a:xfrm>
-            <a:off x="2630622" y="1899561"/>
-            <a:ext cx="4216746" cy="3138726"/>
-          </a:xfrm>
-          <a:prstGeom prst="rect">
-            <a:avLst/>
-          </a:prstGeom>
-        </p:spPr>
-      </p:pic>
-      <p:cxnSp>
-        <p:nvCxnSpPr>
-          <p:cNvPr id="3" name="Gerader Verbinder 2">
-            <a:extLst>
-              <a:ext uri="{FF2B5EF4-FFF2-40B4-BE49-F238E27FC236}">
-                <a16:creationId xmlns:a16="http://schemas.microsoft.com/office/drawing/2014/main" id="{A4022A3A-4D88-4E21-96C4-ACF5E15FFD61}"/>
-              </a:ext>
-            </a:extLst>
-          </p:cNvPr>
-          <p:cNvCxnSpPr>
-            <a:endCxn id="4" idx="3"/>
-          </p:cNvCxnSpPr>
-          <p:nvPr/>
-        </p:nvCxnSpPr>
-        <p:spPr>
-          <a:xfrm flipV="1">
-            <a:off x="3094074" y="3468924"/>
-            <a:ext cx="3753294" cy="932955"/>
-          </a:xfrm>
-          <a:prstGeom prst="line">
-            <a:avLst/>
-          </a:prstGeom>
-          <a:ln w="57150">
-            <a:solidFill>
-              <a:srgbClr val="FF0000"/>
-            </a:solidFill>
-          </a:ln>
-        </p:spPr>
-        <p:style>
-          <a:lnRef idx="1">
-            <a:schemeClr val="accent1"/>
-          </a:lnRef>
-          <a:fillRef idx="0">
-            <a:schemeClr val="accent1"/>
-          </a:fillRef>
-          <a:effectRef idx="0">
-            <a:schemeClr val="accent1"/>
-          </a:effectRef>
-          <a:fontRef idx="minor">
-            <a:schemeClr val="tx1"/>
-          </a:fontRef>
-        </p:style>
-      </p:cxnSp>
-    </p:spTree>
-    <p:extLst>
-      <p:ext uri="{BB962C8B-B14F-4D97-AF65-F5344CB8AC3E}">
-        <p14:creationId xmlns:p14="http://schemas.microsoft.com/office/powerpoint/2010/main" val="1711957214"/>
-      </p:ext>
-    </p:extLst>
-  </p:cSld>
-  <p:clrMapOvr>
-    <a:masterClrMapping/>
-  </p:clrMapOvr>
-</p:sld>
-</file>
-
-<file path=ppt/slides/slide12.xml><?xml version="1.0" encoding="utf-8"?>
-<p:sld xmlns:a="http://schemas.openxmlformats.org/drawingml/2006/main" xmlns:r="http://schemas.openxmlformats.org/officeDocument/2006/relationships" xmlns:p="http://schemas.openxmlformats.org/presentationml/2006/main">
-  <p:cSld>
-    <p:spTree>
-      <p:nvGrpSpPr>
-        <p:cNvPr id="1" name="Shape 493"/>
-        <p:cNvGrpSpPr/>
-        <p:nvPr/>
-      </p:nvGrpSpPr>
-      <p:grpSpPr>
-        <a:xfrm>
-          <a:off x="0" y="0"/>
-          <a:ext cx="0" cy="0"/>
-          <a:chOff x="0" y="0"/>
-          <a:chExt cx="0" cy="0"/>
-        </a:xfrm>
-      </p:grpSpPr>
-      <p:sp>
-        <p:nvSpPr>
-          <p:cNvPr id="494" name="Shape 494"/>
-          <p:cNvSpPr/>
-          <p:nvPr/>
-        </p:nvSpPr>
-        <p:spPr>
-          <a:xfrm>
-            <a:off x="3860350" y="860949"/>
-            <a:ext cx="4269672" cy="3323988"/>
-          </a:xfrm>
-          <a:custGeom>
-            <a:avLst/>
-            <a:gdLst/>
-            <a:ahLst/>
-            <a:cxnLst/>
-            <a:rect l="0" t="0" r="0" b="0"/>
-            <a:pathLst>
-              <a:path w="143434" h="111665" extrusionOk="0">
-                <a:moveTo>
-                  <a:pt x="71751" y="2308"/>
-                </a:moveTo>
-                <a:lnTo>
-                  <a:pt x="71887" y="2376"/>
-                </a:lnTo>
-                <a:lnTo>
-                  <a:pt x="72091" y="2444"/>
-                </a:lnTo>
-                <a:lnTo>
-                  <a:pt x="72159" y="2647"/>
-                </a:lnTo>
-                <a:lnTo>
-                  <a:pt x="72226" y="2783"/>
-                </a:lnTo>
-                <a:lnTo>
-                  <a:pt x="72159" y="2987"/>
-                </a:lnTo>
-                <a:lnTo>
-                  <a:pt x="72091" y="3190"/>
-                </a:lnTo>
-                <a:lnTo>
-                  <a:pt x="71887" y="3258"/>
-                </a:lnTo>
-                <a:lnTo>
-                  <a:pt x="71751" y="3326"/>
-                </a:lnTo>
-                <a:lnTo>
-                  <a:pt x="71548" y="3258"/>
-                </a:lnTo>
-                <a:lnTo>
-                  <a:pt x="71344" y="3190"/>
-                </a:lnTo>
-                <a:lnTo>
-                  <a:pt x="71276" y="2987"/>
-                </a:lnTo>
-                <a:lnTo>
-                  <a:pt x="71208" y="2783"/>
-                </a:lnTo>
-                <a:lnTo>
-                  <a:pt x="71276" y="2647"/>
-                </a:lnTo>
-                <a:lnTo>
-                  <a:pt x="71344" y="2444"/>
-                </a:lnTo>
-                <a:lnTo>
-                  <a:pt x="71548" y="2376"/>
-                </a:lnTo>
-                <a:lnTo>
-                  <a:pt x="71751" y="2308"/>
-                </a:lnTo>
-                <a:close/>
-                <a:moveTo>
-                  <a:pt x="137528" y="5906"/>
-                </a:moveTo>
-                <a:lnTo>
-                  <a:pt x="137596" y="5974"/>
-                </a:lnTo>
-                <a:lnTo>
-                  <a:pt x="137596" y="89604"/>
-                </a:lnTo>
-                <a:lnTo>
-                  <a:pt x="5906" y="89604"/>
-                </a:lnTo>
-                <a:lnTo>
-                  <a:pt x="5906" y="5974"/>
-                </a:lnTo>
-                <a:lnTo>
-                  <a:pt x="5906" y="5906"/>
-                </a:lnTo>
-                <a:close/>
-                <a:moveTo>
-                  <a:pt x="3530" y="0"/>
-                </a:moveTo>
-                <a:lnTo>
-                  <a:pt x="3191" y="68"/>
-                </a:lnTo>
-                <a:lnTo>
-                  <a:pt x="2444" y="339"/>
-                </a:lnTo>
-                <a:lnTo>
-                  <a:pt x="1766" y="679"/>
-                </a:lnTo>
-                <a:lnTo>
-                  <a:pt x="1155" y="1154"/>
-                </a:lnTo>
-                <a:lnTo>
-                  <a:pt x="679" y="1765"/>
-                </a:lnTo>
-                <a:lnTo>
-                  <a:pt x="272" y="2444"/>
-                </a:lnTo>
-                <a:lnTo>
-                  <a:pt x="69" y="3190"/>
-                </a:lnTo>
-                <a:lnTo>
-                  <a:pt x="1" y="3598"/>
-                </a:lnTo>
-                <a:lnTo>
-                  <a:pt x="1" y="4005"/>
-                </a:lnTo>
-                <a:lnTo>
-                  <a:pt x="1" y="91572"/>
-                </a:lnTo>
-                <a:lnTo>
-                  <a:pt x="1" y="91979"/>
-                </a:lnTo>
-                <a:lnTo>
-                  <a:pt x="69" y="92319"/>
-                </a:lnTo>
-                <a:lnTo>
-                  <a:pt x="272" y="93065"/>
-                </a:lnTo>
-                <a:lnTo>
-                  <a:pt x="679" y="93744"/>
-                </a:lnTo>
-                <a:lnTo>
-                  <a:pt x="1155" y="94355"/>
-                </a:lnTo>
-                <a:lnTo>
-                  <a:pt x="1766" y="94830"/>
-                </a:lnTo>
-                <a:lnTo>
-                  <a:pt x="2444" y="95238"/>
-                </a:lnTo>
-                <a:lnTo>
-                  <a:pt x="3191" y="95441"/>
-                </a:lnTo>
-                <a:lnTo>
-                  <a:pt x="3530" y="95509"/>
-                </a:lnTo>
-                <a:lnTo>
-                  <a:pt x="139904" y="95509"/>
-                </a:lnTo>
-                <a:lnTo>
-                  <a:pt x="140311" y="95441"/>
-                </a:lnTo>
-                <a:lnTo>
-                  <a:pt x="141058" y="95238"/>
-                </a:lnTo>
-                <a:lnTo>
-                  <a:pt x="141737" y="94830"/>
-                </a:lnTo>
-                <a:lnTo>
-                  <a:pt x="142280" y="94355"/>
-                </a:lnTo>
-                <a:lnTo>
-                  <a:pt x="142755" y="93744"/>
-                </a:lnTo>
-                <a:lnTo>
-                  <a:pt x="143162" y="93065"/>
-                </a:lnTo>
-                <a:lnTo>
-                  <a:pt x="143366" y="92319"/>
-                </a:lnTo>
-                <a:lnTo>
-                  <a:pt x="143434" y="91979"/>
-                </a:lnTo>
-                <a:lnTo>
-                  <a:pt x="143434" y="91572"/>
-                </a:lnTo>
-                <a:lnTo>
-                  <a:pt x="143434" y="4005"/>
-                </a:lnTo>
-                <a:lnTo>
-                  <a:pt x="143434" y="3598"/>
-                </a:lnTo>
-                <a:lnTo>
-                  <a:pt x="143366" y="3190"/>
-                </a:lnTo>
-                <a:lnTo>
-                  <a:pt x="143162" y="2444"/>
-                </a:lnTo>
-                <a:lnTo>
-                  <a:pt x="142755" y="1765"/>
-                </a:lnTo>
-                <a:lnTo>
-                  <a:pt x="142280" y="1154"/>
-                </a:lnTo>
-                <a:lnTo>
-                  <a:pt x="141737" y="679"/>
-                </a:lnTo>
-                <a:lnTo>
-                  <a:pt x="141058" y="339"/>
-                </a:lnTo>
-                <a:lnTo>
-                  <a:pt x="140311" y="68"/>
-                </a:lnTo>
-                <a:lnTo>
-                  <a:pt x="139904" y="0"/>
-                </a:lnTo>
-                <a:close/>
-                <a:moveTo>
-                  <a:pt x="55324" y="95713"/>
-                </a:moveTo>
-                <a:lnTo>
-                  <a:pt x="55052" y="98971"/>
-                </a:lnTo>
-                <a:lnTo>
-                  <a:pt x="54713" y="102297"/>
-                </a:lnTo>
-                <a:lnTo>
-                  <a:pt x="54374" y="105284"/>
-                </a:lnTo>
-                <a:lnTo>
-                  <a:pt x="53966" y="107388"/>
-                </a:lnTo>
-                <a:lnTo>
-                  <a:pt x="53763" y="108203"/>
-                </a:lnTo>
-                <a:lnTo>
-                  <a:pt x="53627" y="108746"/>
-                </a:lnTo>
-                <a:lnTo>
-                  <a:pt x="53423" y="109153"/>
-                </a:lnTo>
-                <a:lnTo>
-                  <a:pt x="53220" y="109357"/>
-                </a:lnTo>
-                <a:lnTo>
-                  <a:pt x="52677" y="109493"/>
-                </a:lnTo>
-                <a:lnTo>
-                  <a:pt x="51794" y="109696"/>
-                </a:lnTo>
-                <a:lnTo>
-                  <a:pt x="49690" y="110036"/>
-                </a:lnTo>
-                <a:lnTo>
-                  <a:pt x="48061" y="110307"/>
-                </a:lnTo>
-                <a:lnTo>
-                  <a:pt x="47450" y="110443"/>
-                </a:lnTo>
-                <a:lnTo>
-                  <a:pt x="47110" y="110511"/>
-                </a:lnTo>
-                <a:lnTo>
-                  <a:pt x="47042" y="110579"/>
-                </a:lnTo>
-                <a:lnTo>
-                  <a:pt x="47042" y="110783"/>
-                </a:lnTo>
-                <a:lnTo>
-                  <a:pt x="47110" y="110850"/>
-                </a:lnTo>
-                <a:lnTo>
-                  <a:pt x="47585" y="110918"/>
-                </a:lnTo>
-                <a:lnTo>
-                  <a:pt x="48400" y="110986"/>
-                </a:lnTo>
-                <a:lnTo>
-                  <a:pt x="51387" y="111054"/>
-                </a:lnTo>
-                <a:lnTo>
-                  <a:pt x="56071" y="111122"/>
-                </a:lnTo>
-                <a:lnTo>
-                  <a:pt x="87092" y="111122"/>
-                </a:lnTo>
-                <a:lnTo>
-                  <a:pt x="91708" y="111054"/>
-                </a:lnTo>
-                <a:lnTo>
-                  <a:pt x="94695" y="110986"/>
-                </a:lnTo>
-                <a:lnTo>
-                  <a:pt x="95578" y="110918"/>
-                </a:lnTo>
-                <a:lnTo>
-                  <a:pt x="96053" y="110850"/>
-                </a:lnTo>
-                <a:lnTo>
-                  <a:pt x="96121" y="110783"/>
-                </a:lnTo>
-                <a:lnTo>
-                  <a:pt x="96121" y="110579"/>
-                </a:lnTo>
-                <a:lnTo>
-                  <a:pt x="96053" y="110511"/>
-                </a:lnTo>
-                <a:lnTo>
-                  <a:pt x="95713" y="110443"/>
-                </a:lnTo>
-                <a:lnTo>
-                  <a:pt x="95102" y="110307"/>
-                </a:lnTo>
-                <a:lnTo>
-                  <a:pt x="93473" y="110036"/>
-                </a:lnTo>
-                <a:lnTo>
-                  <a:pt x="91369" y="109696"/>
-                </a:lnTo>
-                <a:lnTo>
-                  <a:pt x="90487" y="109493"/>
-                </a:lnTo>
-                <a:lnTo>
-                  <a:pt x="89943" y="109357"/>
-                </a:lnTo>
-                <a:lnTo>
-                  <a:pt x="89740" y="109153"/>
-                </a:lnTo>
-                <a:lnTo>
-                  <a:pt x="89536" y="108746"/>
-                </a:lnTo>
-                <a:lnTo>
-                  <a:pt x="89333" y="108203"/>
-                </a:lnTo>
-                <a:lnTo>
-                  <a:pt x="89197" y="107388"/>
-                </a:lnTo>
-                <a:lnTo>
-                  <a:pt x="88789" y="105284"/>
-                </a:lnTo>
-                <a:lnTo>
-                  <a:pt x="88382" y="102297"/>
-                </a:lnTo>
-                <a:lnTo>
-                  <a:pt x="88043" y="98971"/>
-                </a:lnTo>
-                <a:lnTo>
-                  <a:pt x="87839" y="95713"/>
-                </a:lnTo>
-                <a:close/>
-                <a:moveTo>
-                  <a:pt x="47450" y="111054"/>
-                </a:moveTo>
-                <a:lnTo>
-                  <a:pt x="47450" y="111122"/>
-                </a:lnTo>
-                <a:lnTo>
-                  <a:pt x="47450" y="111393"/>
-                </a:lnTo>
-                <a:lnTo>
-                  <a:pt x="47518" y="111461"/>
-                </a:lnTo>
-                <a:lnTo>
-                  <a:pt x="48807" y="111529"/>
-                </a:lnTo>
-                <a:lnTo>
-                  <a:pt x="52473" y="111597"/>
-                </a:lnTo>
-                <a:lnTo>
-                  <a:pt x="62384" y="111665"/>
-                </a:lnTo>
-                <a:lnTo>
-                  <a:pt x="80779" y="111665"/>
-                </a:lnTo>
-                <a:lnTo>
-                  <a:pt x="90622" y="111597"/>
-                </a:lnTo>
-                <a:lnTo>
-                  <a:pt x="94356" y="111529"/>
-                </a:lnTo>
-                <a:lnTo>
-                  <a:pt x="95646" y="111461"/>
-                </a:lnTo>
-                <a:lnTo>
-                  <a:pt x="95713" y="111393"/>
-                </a:lnTo>
-                <a:lnTo>
-                  <a:pt x="95713" y="111122"/>
-                </a:lnTo>
-                <a:lnTo>
-                  <a:pt x="95646" y="111054"/>
-                </a:lnTo>
-                <a:lnTo>
-                  <a:pt x="94084" y="111122"/>
-                </a:lnTo>
-                <a:lnTo>
-                  <a:pt x="91233" y="111190"/>
-                </a:lnTo>
-                <a:lnTo>
-                  <a:pt x="80847" y="111258"/>
-                </a:lnTo>
-                <a:lnTo>
-                  <a:pt x="62316" y="111258"/>
-                </a:lnTo>
-                <a:lnTo>
-                  <a:pt x="51930" y="111190"/>
-                </a:lnTo>
-                <a:lnTo>
-                  <a:pt x="49079" y="111122"/>
-                </a:lnTo>
-                <a:lnTo>
-                  <a:pt x="47518" y="111054"/>
-                </a:lnTo>
-                <a:close/>
-              </a:path>
-            </a:pathLst>
-          </a:custGeom>
-          <a:solidFill>
-            <a:srgbClr val="C7D3E6"/>
-          </a:solidFill>
-          <a:ln w="9525" cap="flat" cmpd="sng">
-            <a:solidFill>
-              <a:srgbClr val="92A8C8"/>
-            </a:solidFill>
-            <a:prstDash val="solid"/>
-            <a:round/>
-            <a:headEnd type="none" w="med" len="med"/>
-            <a:tailEnd type="none" w="med" len="med"/>
-          </a:ln>
-        </p:spPr>
-        <p:txBody>
-          <a:bodyPr wrap="square" lIns="91425" tIns="91425" rIns="91425" bIns="91425" anchor="ctr" anchorCtr="0">
-            <a:noAutofit/>
-          </a:bodyPr>
-          <a:lstStyle/>
-          <a:p>
-            <a:pPr lvl="0">
-              <a:spcBef>
-                <a:spcPts val="0"/>
-              </a:spcBef>
-              <a:buNone/>
-            </a:pPr>
-            <a:endParaRPr>
-              <a:solidFill>
-                <a:srgbClr val="3F5378"/>
-              </a:solidFill>
-              <a:latin typeface="Roboto Condensed"/>
-              <a:ea typeface="Roboto Condensed"/>
-              <a:cs typeface="Roboto Condensed"/>
-              <a:sym typeface="Roboto Condensed"/>
-            </a:endParaRPr>
-          </a:p>
-        </p:txBody>
-      </p:sp>
-      <p:sp>
-        <p:nvSpPr>
-          <p:cNvPr id="495" name="Shape 495"/>
-          <p:cNvSpPr/>
-          <p:nvPr/>
-        </p:nvSpPr>
-        <p:spPr>
-          <a:xfrm>
-            <a:off x="4039025" y="1037471"/>
-            <a:ext cx="3912300" cy="2498400"/>
-          </a:xfrm>
-          <a:prstGeom prst="rect">
-            <a:avLst/>
-          </a:prstGeom>
-          <a:noFill/>
-          <a:ln>
-            <a:noFill/>
-          </a:ln>
-        </p:spPr>
-        <p:txBody>
-          <a:bodyPr wrap="square" lIns="91425" tIns="91425" rIns="91425" bIns="91425" anchor="ctr" anchorCtr="0">
-            <a:noAutofit/>
-          </a:bodyPr>
-          <a:lstStyle/>
-          <a:p>
-            <a:pPr lvl="0" algn="ctr" rtl="0">
-              <a:spcBef>
-                <a:spcPts val="0"/>
-              </a:spcBef>
-              <a:buNone/>
-            </a:pPr>
-            <a:endParaRPr lang="en" sz="1000" dirty="0">
-              <a:solidFill>
-                <a:srgbClr val="3F5378"/>
-              </a:solidFill>
-              <a:latin typeface="Roboto Condensed"/>
-              <a:ea typeface="Roboto Condensed"/>
-              <a:cs typeface="Roboto Condensed"/>
-              <a:sym typeface="Roboto Condensed"/>
-            </a:endParaRPr>
-          </a:p>
-        </p:txBody>
-      </p:sp>
-      <p:sp>
-        <p:nvSpPr>
-          <p:cNvPr id="496" name="Shape 496"/>
-          <p:cNvSpPr txBox="1">
-            <a:spLocks noGrp="1"/>
-          </p:cNvSpPr>
-          <p:nvPr>
-            <p:ph type="sldNum" idx="12"/>
-          </p:nvPr>
-        </p:nvSpPr>
-        <p:spPr>
-          <a:xfrm>
-            <a:off x="7618000" y="4636500"/>
-            <a:ext cx="1487400" cy="315600"/>
-          </a:xfrm>
-          <a:prstGeom prst="rect">
-            <a:avLst/>
-          </a:prstGeom>
-        </p:spPr>
-        <p:txBody>
-          <a:bodyPr wrap="square" lIns="91425" tIns="91425" rIns="91425" bIns="91425" anchor="ctr" anchorCtr="0">
-            <a:noAutofit/>
-          </a:bodyPr>
-          <a:lstStyle/>
-          <a:p>
-            <a:pPr lvl="0">
-              <a:spcBef>
-                <a:spcPts val="0"/>
-              </a:spcBef>
-              <a:buNone/>
-            </a:pPr>
-            <a:fld id="{00000000-1234-1234-1234-123412341234}" type="slidenum">
-              <a:rPr lang="en"/>
-              <a:t>12</a:t>
-            </a:fld>
-            <a:endParaRPr lang="en"/>
-          </a:p>
-        </p:txBody>
-      </p:sp>
-      <p:sp>
-        <p:nvSpPr>
-          <p:cNvPr id="497" name="Shape 497"/>
-          <p:cNvSpPr txBox="1">
-            <a:spLocks noGrp="1"/>
-          </p:cNvSpPr>
-          <p:nvPr>
-            <p:ph type="body" idx="4294967295"/>
-          </p:nvPr>
-        </p:nvSpPr>
-        <p:spPr>
-          <a:xfrm>
-            <a:off x="1036275" y="1221600"/>
-            <a:ext cx="2811600" cy="2700300"/>
-          </a:xfrm>
-          <a:prstGeom prst="rect">
-            <a:avLst/>
-          </a:prstGeom>
-        </p:spPr>
-        <p:txBody>
-          <a:bodyPr wrap="square" lIns="91425" tIns="91425" rIns="91425" bIns="91425" anchor="ctr" anchorCtr="0">
-            <a:noAutofit/>
-          </a:bodyPr>
-          <a:lstStyle/>
-          <a:p>
-            <a:pPr lvl="0" rtl="0">
-              <a:spcBef>
-                <a:spcPts val="0"/>
-              </a:spcBef>
-              <a:buNone/>
-            </a:pPr>
-            <a:r>
-              <a:rPr lang="de-DE" b="1" dirty="0">
-                <a:solidFill>
-                  <a:srgbClr val="FF9800"/>
-                </a:solidFill>
-              </a:rPr>
-              <a:t>UND JETZT</a:t>
-            </a:r>
-            <a:endParaRPr lang="en" b="1" dirty="0">
-              <a:solidFill>
-                <a:srgbClr val="FF9800"/>
-              </a:solidFill>
-            </a:endParaRPr>
-          </a:p>
-          <a:p>
-            <a:pPr lvl="0" rtl="0">
-              <a:spcBef>
-                <a:spcPts val="0"/>
-              </a:spcBef>
-              <a:buNone/>
-            </a:pPr>
-            <a:r>
-              <a:rPr lang="de-DE" sz="2000" dirty="0"/>
-              <a:t>Zum Desktop!</a:t>
-            </a:r>
-            <a:endParaRPr lang="en" sz="2000" dirty="0"/>
-          </a:p>
-        </p:txBody>
-      </p:sp>
-    </p:spTree>
-    <p:extLst>
-      <p:ext uri="{BB962C8B-B14F-4D97-AF65-F5344CB8AC3E}">
-        <p14:creationId xmlns:p14="http://schemas.microsoft.com/office/powerpoint/2010/main" val="4071116613"/>
-      </p:ext>
-    </p:extLst>
-  </p:cSld>
-  <p:clrMapOvr>
-    <a:masterClrMapping/>
-  </p:clrMapOvr>
-</p:sld>
-</file>
-
-<file path=ppt/slides/slide13.xml><?xml version="1.0" encoding="utf-8"?>
-<p:sld xmlns:a="http://schemas.openxmlformats.org/drawingml/2006/main" xmlns:r="http://schemas.openxmlformats.org/officeDocument/2006/relationships" xmlns:p="http://schemas.openxmlformats.org/presentationml/2006/main">
-  <p:cSld>
-    <p:spTree>
-      <p:nvGrpSpPr>
-        <p:cNvPr id="1" name="Shape 501"/>
-        <p:cNvGrpSpPr/>
-        <p:nvPr/>
-      </p:nvGrpSpPr>
-      <p:grpSpPr>
-        <a:xfrm>
-          <a:off x="0" y="0"/>
-          <a:ext cx="0" cy="0"/>
-          <a:chOff x="0" y="0"/>
-          <a:chExt cx="0" cy="0"/>
-        </a:xfrm>
-      </p:grpSpPr>
-      <p:sp>
-        <p:nvSpPr>
-          <p:cNvPr id="502" name="Shape 502"/>
-          <p:cNvSpPr txBox="1">
-            <a:spLocks noGrp="1"/>
-          </p:cNvSpPr>
-          <p:nvPr>
-            <p:ph type="sldNum" idx="12"/>
-          </p:nvPr>
-        </p:nvSpPr>
-        <p:spPr>
-          <a:xfrm>
-            <a:off x="7618000" y="4636500"/>
-            <a:ext cx="1487400" cy="315600"/>
-          </a:xfrm>
-          <a:prstGeom prst="rect">
-            <a:avLst/>
-          </a:prstGeom>
-        </p:spPr>
-        <p:txBody>
-          <a:bodyPr wrap="square" lIns="91425" tIns="91425" rIns="91425" bIns="91425" anchor="ctr" anchorCtr="0">
-            <a:noAutofit/>
-          </a:bodyPr>
-          <a:lstStyle/>
-          <a:p>
-            <a:pPr lvl="0">
-              <a:spcBef>
-                <a:spcPts val="0"/>
-              </a:spcBef>
-              <a:buNone/>
-            </a:pPr>
-            <a:fld id="{00000000-1234-1234-1234-123412341234}" type="slidenum">
-              <a:rPr lang="en"/>
-              <a:t>13</a:t>
-            </a:fld>
-            <a:endParaRPr lang="en"/>
-          </a:p>
-        </p:txBody>
-      </p:sp>
-      <p:sp>
-        <p:nvSpPr>
-          <p:cNvPr id="503" name="Shape 503"/>
-          <p:cNvSpPr txBox="1">
-            <a:spLocks noGrp="1"/>
-          </p:cNvSpPr>
-          <p:nvPr>
-            <p:ph type="ctrTitle" idx="4294967295"/>
-          </p:nvPr>
-        </p:nvSpPr>
-        <p:spPr>
-          <a:xfrm>
-            <a:off x="1275150" y="2364400"/>
-            <a:ext cx="6593700" cy="1159800"/>
-          </a:xfrm>
-          <a:prstGeom prst="rect">
-            <a:avLst/>
-          </a:prstGeom>
-        </p:spPr>
-        <p:txBody>
-          <a:bodyPr wrap="square" lIns="91425" tIns="91425" rIns="91425" bIns="91425" anchor="ctr" anchorCtr="0">
-            <a:noAutofit/>
-          </a:bodyPr>
-          <a:lstStyle/>
-          <a:p>
-            <a:pPr lvl="0" algn="ctr" rtl="0">
-              <a:spcBef>
-                <a:spcPts val="0"/>
-              </a:spcBef>
-              <a:buNone/>
-            </a:pPr>
-            <a:r>
-              <a:rPr lang="de-DE" sz="6000" dirty="0">
-                <a:solidFill>
-                  <a:srgbClr val="FF9800"/>
-                </a:solidFill>
-              </a:rPr>
-              <a:t>DANKE</a:t>
-            </a:r>
-            <a:r>
-              <a:rPr lang="en" sz="6000" dirty="0">
-                <a:solidFill>
-                  <a:srgbClr val="FF9800"/>
-                </a:solidFill>
-              </a:rPr>
-              <a:t>!</a:t>
-            </a:r>
-          </a:p>
-        </p:txBody>
-      </p:sp>
-      <p:sp>
-        <p:nvSpPr>
-          <p:cNvPr id="504" name="Shape 504"/>
-          <p:cNvSpPr txBox="1">
-            <a:spLocks noGrp="1"/>
-          </p:cNvSpPr>
-          <p:nvPr>
-            <p:ph type="subTitle" idx="4294967295"/>
-          </p:nvPr>
-        </p:nvSpPr>
-        <p:spPr>
-          <a:xfrm>
-            <a:off x="1275150" y="3230000"/>
-            <a:ext cx="6593700" cy="1342200"/>
-          </a:xfrm>
-          <a:prstGeom prst="rect">
-            <a:avLst/>
-          </a:prstGeom>
-        </p:spPr>
-        <p:txBody>
-          <a:bodyPr wrap="square" lIns="91425" tIns="91425" rIns="91425" bIns="91425" anchor="ctr" anchorCtr="0">
-            <a:noAutofit/>
-          </a:bodyPr>
-          <a:lstStyle/>
-          <a:p>
-            <a:pPr lvl="0" algn="ctr" rtl="0">
-              <a:spcBef>
-                <a:spcPts val="0"/>
-              </a:spcBef>
-              <a:spcAft>
-                <a:spcPts val="0"/>
-              </a:spcAft>
-              <a:buNone/>
-            </a:pPr>
-            <a:r>
-              <a:rPr lang="de-DE" sz="2000" b="1" dirty="0"/>
-              <a:t>Fragen</a:t>
-            </a:r>
-            <a:r>
-              <a:rPr lang="en" sz="2000" b="1" dirty="0"/>
-              <a:t>?</a:t>
-            </a:r>
-          </a:p>
-          <a:p>
-            <a:pPr lvl="0" algn="ctr" rtl="0">
-              <a:spcBef>
-                <a:spcPts val="0"/>
-              </a:spcBef>
-              <a:spcAft>
-                <a:spcPts val="0"/>
-              </a:spcAft>
-              <a:buClr>
-                <a:schemeClr val="dk1"/>
-              </a:buClr>
-              <a:buSzPct val="55000"/>
-              <a:buFont typeface="Arial"/>
-              <a:buNone/>
-            </a:pPr>
-            <a:r>
-              <a:rPr lang="de-DE" sz="2000" dirty="0"/>
-              <a:t>Meine Kontaktadresse</a:t>
-            </a:r>
-            <a:endParaRPr lang="en" sz="2000" dirty="0"/>
-          </a:p>
-          <a:p>
-            <a:pPr lvl="0" algn="ctr" rtl="0">
-              <a:spcBef>
-                <a:spcPts val="0"/>
-              </a:spcBef>
-              <a:spcAft>
-                <a:spcPts val="0"/>
-              </a:spcAft>
-              <a:buClr>
-                <a:schemeClr val="dk1"/>
-              </a:buClr>
-              <a:buSzPct val="55000"/>
-              <a:buFont typeface="Arial"/>
-              <a:buNone/>
-            </a:pPr>
-            <a:r>
-              <a:rPr lang="de-DE" sz="2000" dirty="0"/>
-              <a:t>jan.schaffranek@rub.de</a:t>
-            </a:r>
-            <a:endParaRPr lang="en" sz="2000" dirty="0"/>
-          </a:p>
-        </p:txBody>
-      </p:sp>
-      <p:grpSp>
-        <p:nvGrpSpPr>
-          <p:cNvPr id="505" name="Shape 505"/>
-          <p:cNvGrpSpPr/>
-          <p:nvPr/>
-        </p:nvGrpSpPr>
-        <p:grpSpPr>
-          <a:xfrm>
-            <a:off x="3996210" y="966817"/>
-            <a:ext cx="1197664" cy="1126777"/>
-            <a:chOff x="5972700" y="2330200"/>
-            <a:chExt cx="411625" cy="387275"/>
-          </a:xfrm>
-        </p:grpSpPr>
-        <p:sp>
-          <p:nvSpPr>
-            <p:cNvPr id="506" name="Shape 506"/>
-            <p:cNvSpPr/>
-            <p:nvPr/>
-          </p:nvSpPr>
-          <p:spPr>
-            <a:xfrm>
-              <a:off x="5972700" y="2476950"/>
-              <a:ext cx="98050" cy="219825"/>
-            </a:xfrm>
-            <a:custGeom>
-              <a:avLst/>
-              <a:gdLst/>
-              <a:ahLst/>
-              <a:cxnLst/>
-              <a:rect l="0" t="0" r="0" b="0"/>
-              <a:pathLst>
-                <a:path w="3922" h="8793" fill="none" extrusionOk="0">
-                  <a:moveTo>
-                    <a:pt x="0" y="0"/>
-                  </a:moveTo>
-                  <a:lnTo>
-                    <a:pt x="0" y="8792"/>
-                  </a:lnTo>
-                  <a:lnTo>
-                    <a:pt x="3921" y="8792"/>
-                  </a:lnTo>
-                  <a:lnTo>
-                    <a:pt x="3921" y="0"/>
-                  </a:lnTo>
-                  <a:lnTo>
-                    <a:pt x="0" y="0"/>
-                  </a:lnTo>
-                  <a:close/>
-                  <a:moveTo>
-                    <a:pt x="2411" y="2411"/>
-                  </a:moveTo>
-                  <a:lnTo>
-                    <a:pt x="2411" y="2411"/>
-                  </a:lnTo>
-                  <a:lnTo>
-                    <a:pt x="2265" y="2387"/>
-                  </a:lnTo>
-                  <a:lnTo>
-                    <a:pt x="2143" y="2363"/>
-                  </a:lnTo>
-                  <a:lnTo>
-                    <a:pt x="2022" y="2290"/>
-                  </a:lnTo>
-                  <a:lnTo>
-                    <a:pt x="1924" y="2216"/>
-                  </a:lnTo>
-                  <a:lnTo>
-                    <a:pt x="1827" y="2095"/>
-                  </a:lnTo>
-                  <a:lnTo>
-                    <a:pt x="1754" y="1973"/>
-                  </a:lnTo>
-                  <a:lnTo>
-                    <a:pt x="1729" y="1851"/>
-                  </a:lnTo>
-                  <a:lnTo>
-                    <a:pt x="1705" y="1705"/>
-                  </a:lnTo>
-                  <a:lnTo>
-                    <a:pt x="1705" y="1705"/>
-                  </a:lnTo>
-                  <a:lnTo>
-                    <a:pt x="1729" y="1559"/>
-                  </a:lnTo>
-                  <a:lnTo>
-                    <a:pt x="1754" y="1437"/>
-                  </a:lnTo>
-                  <a:lnTo>
-                    <a:pt x="1827" y="1315"/>
-                  </a:lnTo>
-                  <a:lnTo>
-                    <a:pt x="1924" y="1218"/>
-                  </a:lnTo>
-                  <a:lnTo>
-                    <a:pt x="2022" y="1120"/>
-                  </a:lnTo>
-                  <a:lnTo>
-                    <a:pt x="2143" y="1072"/>
-                  </a:lnTo>
-                  <a:lnTo>
-                    <a:pt x="2265" y="1023"/>
-                  </a:lnTo>
-                  <a:lnTo>
-                    <a:pt x="2411" y="999"/>
-                  </a:lnTo>
-                  <a:lnTo>
-                    <a:pt x="2411" y="999"/>
-                  </a:lnTo>
-                  <a:lnTo>
-                    <a:pt x="2557" y="1023"/>
-                  </a:lnTo>
-                  <a:lnTo>
-                    <a:pt x="2679" y="1072"/>
-                  </a:lnTo>
-                  <a:lnTo>
-                    <a:pt x="2801" y="1120"/>
-                  </a:lnTo>
-                  <a:lnTo>
-                    <a:pt x="2898" y="1218"/>
-                  </a:lnTo>
-                  <a:lnTo>
-                    <a:pt x="2996" y="1315"/>
-                  </a:lnTo>
-                  <a:lnTo>
-                    <a:pt x="3069" y="1437"/>
-                  </a:lnTo>
-                  <a:lnTo>
-                    <a:pt x="3093" y="1559"/>
-                  </a:lnTo>
-                  <a:lnTo>
-                    <a:pt x="3118" y="1705"/>
-                  </a:lnTo>
-                  <a:lnTo>
-                    <a:pt x="3118" y="1705"/>
-                  </a:lnTo>
-                  <a:lnTo>
-                    <a:pt x="3093" y="1851"/>
-                  </a:lnTo>
-                  <a:lnTo>
-                    <a:pt x="3069" y="1973"/>
-                  </a:lnTo>
-                  <a:lnTo>
-                    <a:pt x="2996" y="2095"/>
-                  </a:lnTo>
-                  <a:lnTo>
-                    <a:pt x="2898" y="2216"/>
-                  </a:lnTo>
-                  <a:lnTo>
-                    <a:pt x="2801" y="2290"/>
-                  </a:lnTo>
-                  <a:lnTo>
-                    <a:pt x="2679" y="2363"/>
-                  </a:lnTo>
-                  <a:lnTo>
-                    <a:pt x="2557" y="2387"/>
-                  </a:lnTo>
-                  <a:lnTo>
-                    <a:pt x="2411" y="2411"/>
-                  </a:lnTo>
-                  <a:lnTo>
-                    <a:pt x="2411" y="2411"/>
-                  </a:lnTo>
-                  <a:close/>
-                </a:path>
-              </a:pathLst>
-            </a:custGeom>
-            <a:noFill/>
-            <a:ln w="19050" cap="rnd" cmpd="sng">
-              <a:solidFill>
-                <a:srgbClr val="3F5378"/>
-              </a:solidFill>
-              <a:prstDash val="solid"/>
-              <a:round/>
-              <a:headEnd type="none" w="med" len="med"/>
-              <a:tailEnd type="none" w="med" len="med"/>
-            </a:ln>
-          </p:spPr>
-          <p:txBody>
-            <a:bodyPr wrap="square" lIns="91425" tIns="91425" rIns="91425" bIns="91425" anchor="ctr" anchorCtr="0">
-              <a:noAutofit/>
-            </a:bodyPr>
-            <a:lstStyle/>
-            <a:p>
-              <a:pPr lvl="0">
-                <a:spcBef>
-                  <a:spcPts val="0"/>
-                </a:spcBef>
-                <a:buNone/>
-              </a:pPr>
-              <a:endParaRPr/>
-            </a:p>
-          </p:txBody>
-        </p:sp>
-        <p:sp>
-          <p:nvSpPr>
-            <p:cNvPr id="507" name="Shape 507"/>
-            <p:cNvSpPr/>
-            <p:nvPr/>
-          </p:nvSpPr>
-          <p:spPr>
-            <a:xfrm>
-              <a:off x="6078025" y="2330200"/>
-              <a:ext cx="306300" cy="387275"/>
-            </a:xfrm>
-            <a:custGeom>
-              <a:avLst/>
-              <a:gdLst/>
-              <a:ahLst/>
-              <a:cxnLst/>
-              <a:rect l="0" t="0" r="0" b="0"/>
-              <a:pathLst>
-                <a:path w="12252" h="15491" fill="none" extrusionOk="0">
-                  <a:moveTo>
-                    <a:pt x="1" y="13396"/>
-                  </a:moveTo>
-                  <a:lnTo>
-                    <a:pt x="1511" y="13396"/>
-                  </a:lnTo>
-                  <a:lnTo>
-                    <a:pt x="1511" y="13396"/>
-                  </a:lnTo>
-                  <a:lnTo>
-                    <a:pt x="1998" y="13639"/>
-                  </a:lnTo>
-                  <a:lnTo>
-                    <a:pt x="2680" y="13932"/>
-                  </a:lnTo>
-                  <a:lnTo>
-                    <a:pt x="3556" y="14273"/>
-                  </a:lnTo>
-                  <a:lnTo>
-                    <a:pt x="4531" y="14638"/>
-                  </a:lnTo>
-                  <a:lnTo>
-                    <a:pt x="5578" y="14955"/>
-                  </a:lnTo>
-                  <a:lnTo>
-                    <a:pt x="6114" y="15101"/>
-                  </a:lnTo>
-                  <a:lnTo>
-                    <a:pt x="6650" y="15222"/>
-                  </a:lnTo>
-                  <a:lnTo>
-                    <a:pt x="7161" y="15344"/>
-                  </a:lnTo>
-                  <a:lnTo>
-                    <a:pt x="7672" y="15417"/>
-                  </a:lnTo>
-                  <a:lnTo>
-                    <a:pt x="8135" y="15466"/>
-                  </a:lnTo>
-                  <a:lnTo>
-                    <a:pt x="8598" y="15490"/>
-                  </a:lnTo>
-                  <a:lnTo>
-                    <a:pt x="8598" y="15490"/>
-                  </a:lnTo>
-                  <a:lnTo>
-                    <a:pt x="9377" y="15490"/>
-                  </a:lnTo>
-                  <a:lnTo>
-                    <a:pt x="9791" y="15466"/>
-                  </a:lnTo>
-                  <a:lnTo>
-                    <a:pt x="10181" y="15417"/>
-                  </a:lnTo>
-                  <a:lnTo>
-                    <a:pt x="10522" y="15320"/>
-                  </a:lnTo>
-                  <a:lnTo>
-                    <a:pt x="10692" y="15271"/>
-                  </a:lnTo>
-                  <a:lnTo>
-                    <a:pt x="10814" y="15222"/>
-                  </a:lnTo>
-                  <a:lnTo>
-                    <a:pt x="10936" y="15149"/>
-                  </a:lnTo>
-                  <a:lnTo>
-                    <a:pt x="11033" y="15052"/>
-                  </a:lnTo>
-                  <a:lnTo>
-                    <a:pt x="11082" y="14955"/>
-                  </a:lnTo>
-                  <a:lnTo>
-                    <a:pt x="11131" y="14833"/>
-                  </a:lnTo>
-                  <a:lnTo>
-                    <a:pt x="11204" y="14126"/>
-                  </a:lnTo>
-                  <a:lnTo>
-                    <a:pt x="11204" y="14126"/>
-                  </a:lnTo>
-                  <a:lnTo>
-                    <a:pt x="11180" y="13956"/>
-                  </a:lnTo>
-                  <a:lnTo>
-                    <a:pt x="11131" y="13810"/>
-                  </a:lnTo>
-                  <a:lnTo>
-                    <a:pt x="11033" y="13664"/>
-                  </a:lnTo>
-                  <a:lnTo>
-                    <a:pt x="10887" y="13542"/>
-                  </a:lnTo>
-                  <a:lnTo>
-                    <a:pt x="10887" y="13542"/>
-                  </a:lnTo>
-                  <a:lnTo>
-                    <a:pt x="11009" y="13518"/>
-                  </a:lnTo>
-                  <a:lnTo>
-                    <a:pt x="11131" y="13469"/>
-                  </a:lnTo>
-                  <a:lnTo>
-                    <a:pt x="11253" y="13420"/>
-                  </a:lnTo>
-                  <a:lnTo>
-                    <a:pt x="11350" y="13323"/>
-                  </a:lnTo>
-                  <a:lnTo>
-                    <a:pt x="11423" y="13225"/>
-                  </a:lnTo>
-                  <a:lnTo>
-                    <a:pt x="11496" y="13104"/>
-                  </a:lnTo>
-                  <a:lnTo>
-                    <a:pt x="11545" y="12957"/>
-                  </a:lnTo>
-                  <a:lnTo>
-                    <a:pt x="11569" y="12836"/>
-                  </a:lnTo>
-                  <a:lnTo>
-                    <a:pt x="11642" y="11959"/>
-                  </a:lnTo>
-                  <a:lnTo>
-                    <a:pt x="11642" y="11959"/>
-                  </a:lnTo>
-                  <a:lnTo>
-                    <a:pt x="11642" y="11837"/>
-                  </a:lnTo>
-                  <a:lnTo>
-                    <a:pt x="11642" y="11740"/>
-                  </a:lnTo>
-                  <a:lnTo>
-                    <a:pt x="11618" y="11618"/>
-                  </a:lnTo>
-                  <a:lnTo>
-                    <a:pt x="11569" y="11521"/>
-                  </a:lnTo>
-                  <a:lnTo>
-                    <a:pt x="11447" y="11350"/>
-                  </a:lnTo>
-                  <a:lnTo>
-                    <a:pt x="11374" y="11277"/>
-                  </a:lnTo>
-                  <a:lnTo>
-                    <a:pt x="11301" y="11204"/>
-                  </a:lnTo>
-                  <a:lnTo>
-                    <a:pt x="11301" y="11204"/>
-                  </a:lnTo>
-                  <a:lnTo>
-                    <a:pt x="11423" y="11180"/>
-                  </a:lnTo>
-                  <a:lnTo>
-                    <a:pt x="11521" y="11131"/>
-                  </a:lnTo>
-                  <a:lnTo>
-                    <a:pt x="11618" y="11058"/>
-                  </a:lnTo>
-                  <a:lnTo>
-                    <a:pt x="11715" y="10960"/>
-                  </a:lnTo>
-                  <a:lnTo>
-                    <a:pt x="11788" y="10863"/>
-                  </a:lnTo>
-                  <a:lnTo>
-                    <a:pt x="11837" y="10766"/>
-                  </a:lnTo>
-                  <a:lnTo>
-                    <a:pt x="11886" y="10644"/>
-                  </a:lnTo>
-                  <a:lnTo>
-                    <a:pt x="11910" y="10498"/>
-                  </a:lnTo>
-                  <a:lnTo>
-                    <a:pt x="11983" y="9645"/>
-                  </a:lnTo>
-                  <a:lnTo>
-                    <a:pt x="11983" y="9645"/>
-                  </a:lnTo>
-                  <a:lnTo>
-                    <a:pt x="11983" y="9523"/>
-                  </a:lnTo>
-                  <a:lnTo>
-                    <a:pt x="11983" y="9402"/>
-                  </a:lnTo>
-                  <a:lnTo>
-                    <a:pt x="11959" y="9280"/>
-                  </a:lnTo>
-                  <a:lnTo>
-                    <a:pt x="11910" y="9182"/>
-                  </a:lnTo>
-                  <a:lnTo>
-                    <a:pt x="11861" y="9085"/>
-                  </a:lnTo>
-                  <a:lnTo>
-                    <a:pt x="11788" y="9012"/>
-                  </a:lnTo>
-                  <a:lnTo>
-                    <a:pt x="11715" y="8939"/>
-                  </a:lnTo>
-                  <a:lnTo>
-                    <a:pt x="11618" y="8866"/>
-                  </a:lnTo>
-                  <a:lnTo>
-                    <a:pt x="11618" y="8866"/>
-                  </a:lnTo>
-                  <a:lnTo>
-                    <a:pt x="11715" y="8841"/>
-                  </a:lnTo>
-                  <a:lnTo>
-                    <a:pt x="11813" y="8768"/>
-                  </a:lnTo>
-                  <a:lnTo>
-                    <a:pt x="11910" y="8695"/>
-                  </a:lnTo>
-                  <a:lnTo>
-                    <a:pt x="11983" y="8622"/>
-                  </a:lnTo>
-                  <a:lnTo>
-                    <a:pt x="12056" y="8525"/>
-                  </a:lnTo>
-                  <a:lnTo>
-                    <a:pt x="12105" y="8427"/>
-                  </a:lnTo>
-                  <a:lnTo>
-                    <a:pt x="12129" y="8306"/>
-                  </a:lnTo>
-                  <a:lnTo>
-                    <a:pt x="12154" y="8184"/>
-                  </a:lnTo>
-                  <a:lnTo>
-                    <a:pt x="12251" y="7307"/>
-                  </a:lnTo>
-                  <a:lnTo>
-                    <a:pt x="12251" y="7307"/>
-                  </a:lnTo>
-                  <a:lnTo>
-                    <a:pt x="12227" y="7185"/>
-                  </a:lnTo>
-                  <a:lnTo>
-                    <a:pt x="12202" y="7064"/>
-                  </a:lnTo>
-                  <a:lnTo>
-                    <a:pt x="12154" y="6966"/>
-                  </a:lnTo>
-                  <a:lnTo>
-                    <a:pt x="12105" y="6869"/>
-                  </a:lnTo>
-                  <a:lnTo>
-                    <a:pt x="12032" y="6771"/>
-                  </a:lnTo>
-                  <a:lnTo>
-                    <a:pt x="11935" y="6698"/>
-                  </a:lnTo>
-                  <a:lnTo>
-                    <a:pt x="11715" y="6552"/>
-                  </a:lnTo>
-                  <a:lnTo>
-                    <a:pt x="11472" y="6430"/>
-                  </a:lnTo>
-                  <a:lnTo>
-                    <a:pt x="11180" y="6333"/>
-                  </a:lnTo>
-                  <a:lnTo>
-                    <a:pt x="10863" y="6260"/>
-                  </a:lnTo>
-                  <a:lnTo>
-                    <a:pt x="10546" y="6211"/>
-                  </a:lnTo>
-                  <a:lnTo>
-                    <a:pt x="10546" y="6211"/>
-                  </a:lnTo>
-                  <a:lnTo>
-                    <a:pt x="9864" y="6114"/>
-                  </a:lnTo>
-                  <a:lnTo>
-                    <a:pt x="8817" y="6016"/>
-                  </a:lnTo>
-                  <a:lnTo>
-                    <a:pt x="7575" y="5943"/>
-                  </a:lnTo>
-                  <a:lnTo>
-                    <a:pt x="6309" y="5870"/>
-                  </a:lnTo>
-                  <a:lnTo>
-                    <a:pt x="6309" y="5870"/>
-                  </a:lnTo>
-                  <a:lnTo>
-                    <a:pt x="6479" y="5578"/>
-                  </a:lnTo>
-                  <a:lnTo>
-                    <a:pt x="6625" y="5237"/>
-                  </a:lnTo>
-                  <a:lnTo>
-                    <a:pt x="6771" y="4872"/>
-                  </a:lnTo>
-                  <a:lnTo>
-                    <a:pt x="6869" y="4482"/>
-                  </a:lnTo>
-                  <a:lnTo>
-                    <a:pt x="6966" y="4092"/>
-                  </a:lnTo>
-                  <a:lnTo>
-                    <a:pt x="7064" y="3678"/>
-                  </a:lnTo>
-                  <a:lnTo>
-                    <a:pt x="7161" y="2875"/>
-                  </a:lnTo>
-                  <a:lnTo>
-                    <a:pt x="7234" y="2144"/>
-                  </a:lnTo>
-                  <a:lnTo>
-                    <a:pt x="7283" y="1535"/>
-                  </a:lnTo>
-                  <a:lnTo>
-                    <a:pt x="7283" y="975"/>
-                  </a:lnTo>
-                  <a:lnTo>
-                    <a:pt x="7283" y="975"/>
-                  </a:lnTo>
-                  <a:lnTo>
-                    <a:pt x="7283" y="804"/>
-                  </a:lnTo>
-                  <a:lnTo>
-                    <a:pt x="7210" y="609"/>
-                  </a:lnTo>
-                  <a:lnTo>
-                    <a:pt x="7137" y="463"/>
-                  </a:lnTo>
-                  <a:lnTo>
-                    <a:pt x="7015" y="317"/>
-                  </a:lnTo>
-                  <a:lnTo>
-                    <a:pt x="6869" y="171"/>
-                  </a:lnTo>
-                  <a:lnTo>
-                    <a:pt x="6698" y="98"/>
-                  </a:lnTo>
-                  <a:lnTo>
-                    <a:pt x="6503" y="25"/>
-                  </a:lnTo>
-                  <a:lnTo>
-                    <a:pt x="6309" y="1"/>
-                  </a:lnTo>
-                  <a:lnTo>
-                    <a:pt x="6309" y="1"/>
-                  </a:lnTo>
-                  <a:lnTo>
-                    <a:pt x="5943" y="25"/>
-                  </a:lnTo>
-                  <a:lnTo>
-                    <a:pt x="5700" y="74"/>
-                  </a:lnTo>
-                  <a:lnTo>
-                    <a:pt x="5505" y="147"/>
-                  </a:lnTo>
-                  <a:lnTo>
-                    <a:pt x="5359" y="220"/>
-                  </a:lnTo>
-                  <a:lnTo>
-                    <a:pt x="5359" y="220"/>
-                  </a:lnTo>
-                  <a:lnTo>
-                    <a:pt x="4969" y="1462"/>
-                  </a:lnTo>
-                  <a:lnTo>
-                    <a:pt x="4774" y="2022"/>
-                  </a:lnTo>
-                  <a:lnTo>
-                    <a:pt x="4579" y="2534"/>
-                  </a:lnTo>
-                  <a:lnTo>
-                    <a:pt x="4385" y="2996"/>
-                  </a:lnTo>
-                  <a:lnTo>
-                    <a:pt x="4190" y="3386"/>
-                  </a:lnTo>
-                  <a:lnTo>
-                    <a:pt x="4019" y="3678"/>
-                  </a:lnTo>
-                  <a:lnTo>
-                    <a:pt x="3873" y="3922"/>
-                  </a:lnTo>
-                  <a:lnTo>
-                    <a:pt x="3873" y="3922"/>
-                  </a:lnTo>
-                  <a:lnTo>
-                    <a:pt x="3654" y="4141"/>
-                  </a:lnTo>
-                  <a:lnTo>
-                    <a:pt x="3313" y="4482"/>
-                  </a:lnTo>
-                  <a:lnTo>
-                    <a:pt x="2509" y="5237"/>
-                  </a:lnTo>
-                  <a:lnTo>
-                    <a:pt x="1438" y="6211"/>
-                  </a:lnTo>
-                  <a:lnTo>
-                    <a:pt x="1" y="6211"/>
-                  </a:lnTo>
-                </a:path>
-              </a:pathLst>
-            </a:custGeom>
-            <a:noFill/>
-            <a:ln w="19050" cap="rnd" cmpd="sng">
-              <a:solidFill>
-                <a:srgbClr val="3F5378"/>
-              </a:solidFill>
-              <a:prstDash val="solid"/>
-              <a:round/>
-              <a:headEnd type="none" w="med" len="med"/>
-              <a:tailEnd type="none" w="med" len="med"/>
-            </a:ln>
-          </p:spPr>
-          <p:txBody>
-            <a:bodyPr wrap="square" lIns="91425" tIns="91425" rIns="91425" bIns="91425" anchor="ctr" anchorCtr="0">
-              <a:noAutofit/>
-            </a:bodyPr>
-            <a:lstStyle/>
-            <a:p>
-              <a:pPr lvl="0">
-                <a:spcBef>
-                  <a:spcPts val="0"/>
-                </a:spcBef>
-                <a:buNone/>
-              </a:pPr>
-              <a:endParaRPr/>
-            </a:p>
-          </p:txBody>
-        </p:sp>
-      </p:grpSp>
-    </p:spTree>
-    <p:extLst>
-      <p:ext uri="{BB962C8B-B14F-4D97-AF65-F5344CB8AC3E}">
-        <p14:creationId xmlns:p14="http://schemas.microsoft.com/office/powerpoint/2010/main" val="2292679369"/>
-      </p:ext>
-    </p:extLst>
-  </p:cSld>
-  <p:clrMapOvr>
-    <a:masterClrMapping/>
-  </p:clrMapOvr>
-</p:sld>
-</file>
-
 <file path=ppt/slides/slide2.xml><?xml version="1.0" encoding="utf-8"?>
 <p:sld xmlns:a="http://schemas.openxmlformats.org/drawingml/2006/main" xmlns:r="http://schemas.openxmlformats.org/officeDocument/2006/relationships" xmlns:p="http://schemas.openxmlformats.org/presentationml/2006/main">
   <p:cSld>
@@ -7313,36 +4313,6 @@
             <a:noAutofit/>
           </a:bodyPr>
           <a:lstStyle/>
-          <a:p>
-            <a:pPr marL="457200" lvl="0" indent="-381000">
-              <a:buFont typeface="Arial" panose="020B0604020202020204" pitchFamily="34" charset="0"/>
-              <a:buChar char="•"/>
-            </a:pPr>
-            <a:r>
-              <a:rPr lang="de-DE" dirty="0"/>
-              <a:t>Trainingsdaten sind meist eine Teilmenge des gegebenen Datensatzes</a:t>
-            </a:r>
-          </a:p>
-          <a:p>
-            <a:pPr marL="457200" lvl="0" indent="-381000">
-              <a:buFont typeface="Arial" panose="020B0604020202020204" pitchFamily="34" charset="0"/>
-              <a:buChar char="•"/>
-            </a:pPr>
-            <a:r>
-              <a:rPr lang="de-DE" dirty="0"/>
-              <a:t>Testdaten sind auch eine Teilmenge</a:t>
-            </a:r>
-          </a:p>
-          <a:p>
-            <a:pPr marL="457200" lvl="0" indent="-381000">
-              <a:buFont typeface="Arial" panose="020B0604020202020204" pitchFamily="34" charset="0"/>
-              <a:buChar char="•"/>
-            </a:pPr>
-            <a:r>
-              <a:rPr lang="de-DE" dirty="0"/>
-              <a:t>Sind Datenpunkte mit den gegebenen Features und Labels</a:t>
-            </a:r>
-          </a:p>
           <a:p>
             <a:pPr marL="457200" lvl="0" indent="-381000">
               <a:buFont typeface="Arial" panose="020B0604020202020204" pitchFamily="34" charset="0"/>
@@ -8447,169 +5417,6 @@
     <p:extLst>
       <p:ext uri="{BB962C8B-B14F-4D97-AF65-F5344CB8AC3E}">
         <p14:creationId xmlns:p14="http://schemas.microsoft.com/office/powerpoint/2010/main" val="1199285111"/>
-      </p:ext>
-    </p:extLst>
-  </p:cSld>
-  <p:clrMapOvr>
-    <a:masterClrMapping/>
-  </p:clrMapOvr>
-</p:sld>
-</file>
-
-<file path=ppt/slides/slide9.xml><?xml version="1.0" encoding="utf-8"?>
-<p:sld xmlns:a="http://schemas.openxmlformats.org/drawingml/2006/main" xmlns:r="http://schemas.openxmlformats.org/officeDocument/2006/relationships" xmlns:p="http://schemas.openxmlformats.org/presentationml/2006/main">
-  <p:cSld>
-    <p:spTree>
-      <p:nvGrpSpPr>
-        <p:cNvPr id="1" name="Shape 235"/>
-        <p:cNvGrpSpPr/>
-        <p:nvPr/>
-      </p:nvGrpSpPr>
-      <p:grpSpPr>
-        <a:xfrm>
-          <a:off x="0" y="0"/>
-          <a:ext cx="0" cy="0"/>
-          <a:chOff x="0" y="0"/>
-          <a:chExt cx="0" cy="0"/>
-        </a:xfrm>
-      </p:grpSpPr>
-      <p:sp>
-        <p:nvSpPr>
-          <p:cNvPr id="236" name="Shape 236"/>
-          <p:cNvSpPr txBox="1">
-            <a:spLocks noGrp="1"/>
-          </p:cNvSpPr>
-          <p:nvPr>
-            <p:ph type="title"/>
-          </p:nvPr>
-        </p:nvSpPr>
-        <p:spPr>
-          <a:xfrm>
-            <a:off x="814275" y="392575"/>
-            <a:ext cx="5492400" cy="766200"/>
-          </a:xfrm>
-          <a:prstGeom prst="rect">
-            <a:avLst/>
-          </a:prstGeom>
-        </p:spPr>
-        <p:txBody>
-          <a:bodyPr wrap="square" lIns="91425" tIns="91425" rIns="91425" bIns="91425" anchor="ctr" anchorCtr="0">
-            <a:noAutofit/>
-          </a:bodyPr>
-          <a:lstStyle/>
-          <a:p>
-            <a:pPr marL="76200" lvl="0">
-              <a:spcAft>
-                <a:spcPts val="1000"/>
-              </a:spcAft>
-            </a:pPr>
-            <a:r>
-              <a:rPr lang="de-DE" dirty="0"/>
-              <a:t>LINEARE REGRESSION - BEISPIEL</a:t>
-            </a:r>
-            <a:endParaRPr lang="en" dirty="0"/>
-          </a:p>
-        </p:txBody>
-      </p:sp>
-      <p:sp>
-        <p:nvSpPr>
-          <p:cNvPr id="237" name="Shape 237"/>
-          <p:cNvSpPr txBox="1">
-            <a:spLocks noGrp="1"/>
-          </p:cNvSpPr>
-          <p:nvPr>
-            <p:ph type="body" idx="1"/>
-          </p:nvPr>
-        </p:nvSpPr>
-        <p:spPr>
-          <a:xfrm>
-            <a:off x="814274" y="1327350"/>
-            <a:ext cx="6803725" cy="3542362"/>
-          </a:xfrm>
-          <a:prstGeom prst="rect">
-            <a:avLst/>
-          </a:prstGeom>
-        </p:spPr>
-        <p:txBody>
-          <a:bodyPr wrap="square" lIns="91425" tIns="91425" rIns="91425" bIns="91425" anchor="ctr" anchorCtr="0">
-            <a:noAutofit/>
-          </a:bodyPr>
-          <a:lstStyle/>
-          <a:p>
-            <a:pPr marL="457200" lvl="0" indent="-381000">
-              <a:buFont typeface="Arial" panose="020B0604020202020204" pitchFamily="34" charset="0"/>
-              <a:buChar char="•"/>
-            </a:pPr>
-            <a:r>
-              <a:rPr lang="de-DE" dirty="0"/>
-              <a:t>Der Datensatz zeigt den Wohnungsmarkt in Boston</a:t>
-            </a:r>
-          </a:p>
-          <a:p>
-            <a:pPr marL="457200" lvl="0" indent="-381000">
-              <a:buFont typeface="Arial" panose="020B0604020202020204" pitchFamily="34" charset="0"/>
-              <a:buChar char="•"/>
-            </a:pPr>
-            <a:r>
-              <a:rPr lang="de-DE" dirty="0"/>
-              <a:t>In diesem Beispiel wurden 2 Dimensionen gewählt</a:t>
-            </a:r>
-          </a:p>
-          <a:p>
-            <a:pPr marL="457200" lvl="0" indent="-381000">
-              <a:buFont typeface="Arial" panose="020B0604020202020204" pitchFamily="34" charset="0"/>
-              <a:buChar char="•"/>
-            </a:pPr>
-            <a:r>
-              <a:rPr lang="de-DE" dirty="0"/>
-              <a:t>Aufgabe: Finde die optimale lineare Funktion</a:t>
-            </a:r>
-          </a:p>
-        </p:txBody>
-      </p:sp>
-      <p:sp>
-        <p:nvSpPr>
-          <p:cNvPr id="238" name="Shape 238"/>
-          <p:cNvSpPr txBox="1">
-            <a:spLocks noGrp="1"/>
-          </p:cNvSpPr>
-          <p:nvPr>
-            <p:ph type="sldNum" idx="12"/>
-          </p:nvPr>
-        </p:nvSpPr>
-        <p:spPr>
-          <a:xfrm>
-            <a:off x="7618000" y="4636500"/>
-            <a:ext cx="1487400" cy="315600"/>
-          </a:xfrm>
-          <a:prstGeom prst="rect">
-            <a:avLst/>
-          </a:prstGeom>
-        </p:spPr>
-        <p:txBody>
-          <a:bodyPr wrap="square" lIns="91425" tIns="91425" rIns="91425" bIns="91425" anchor="ctr" anchorCtr="0">
-            <a:noAutofit/>
-          </a:bodyPr>
-          <a:lstStyle/>
-          <a:p>
-            <a:pPr lvl="0">
-              <a:spcBef>
-                <a:spcPts val="0"/>
-              </a:spcBef>
-              <a:buNone/>
-            </a:pPr>
-            <a:fld id="{00000000-1234-1234-1234-123412341234}" type="slidenum">
-              <a:rPr lang="en"/>
-              <a:t>9</a:t>
-            </a:fld>
-            <a:endParaRPr lang="en"/>
-          </a:p>
-        </p:txBody>
-      </p:sp>
-    </p:spTree>
-    <p:extLst>
-      <p:ext uri="{BB962C8B-B14F-4D97-AF65-F5344CB8AC3E}">
-        <p14:creationId xmlns:p14="http://schemas.microsoft.com/office/powerpoint/2010/main" val="2883425982"/>
       </p:ext>
     </p:extLst>
   </p:cSld>
